--- a/Documents/GridRunner.pptx
+++ b/Documents/GridRunner.pptx
@@ -5,41 +5,43 @@
     <p:sldMasterId id="2147483658" r:id="rId1"/>
   </p:sldMasterIdLst>
   <p:notesMasterIdLst>
-    <p:notesMasterId r:id="rId10"/>
+    <p:notesMasterId r:id="rId12"/>
   </p:notesMasterIdLst>
   <p:sldIdLst>
     <p:sldId id="256" r:id="rId2"/>
     <p:sldId id="257" r:id="rId3"/>
     <p:sldId id="279" r:id="rId4"/>
-    <p:sldId id="280" r:id="rId5"/>
-    <p:sldId id="282" r:id="rId6"/>
-    <p:sldId id="258" r:id="rId7"/>
-    <p:sldId id="278" r:id="rId8"/>
-    <p:sldId id="281" r:id="rId9"/>
+    <p:sldId id="285" r:id="rId5"/>
+    <p:sldId id="284" r:id="rId6"/>
+    <p:sldId id="282" r:id="rId7"/>
+    <p:sldId id="286" r:id="rId8"/>
+    <p:sldId id="258" r:id="rId9"/>
+    <p:sldId id="278" r:id="rId10"/>
+    <p:sldId id="281" r:id="rId11"/>
   </p:sldIdLst>
-  <p:sldSz cx="9144000" cy="5143500" type="screen16x9"/>
+  <p:sldSz cx="6858000" cy="5143500"/>
   <p:notesSz cx="6858000" cy="9144000"/>
   <p:embeddedFontLst>
     <p:embeddedFont>
       <p:font typeface="Montserrat" panose="020B0604020202020204" charset="0"/>
-      <p:regular r:id="rId11"/>
-      <p:bold r:id="rId12"/>
-      <p:italic r:id="rId13"/>
-      <p:boldItalic r:id="rId14"/>
+      <p:regular r:id="rId13"/>
+      <p:bold r:id="rId14"/>
+      <p:italic r:id="rId15"/>
+      <p:boldItalic r:id="rId16"/>
     </p:embeddedFont>
     <p:embeddedFont>
       <p:font typeface="Montserrat Light" panose="020B0604020202020204" charset="0"/>
-      <p:regular r:id="rId15"/>
-      <p:bold r:id="rId16"/>
-      <p:italic r:id="rId17"/>
-      <p:boldItalic r:id="rId18"/>
+      <p:regular r:id="rId17"/>
+      <p:bold r:id="rId18"/>
+      <p:italic r:id="rId19"/>
+      <p:boldItalic r:id="rId20"/>
     </p:embeddedFont>
     <p:embeddedFont>
       <p:font typeface="Poppins" panose="020B0604020202020204" charset="0"/>
-      <p:regular r:id="rId19"/>
-      <p:bold r:id="rId20"/>
-      <p:italic r:id="rId21"/>
-      <p:boldItalic r:id="rId22"/>
+      <p:regular r:id="rId21"/>
+      <p:bold r:id="rId22"/>
+      <p:italic r:id="rId23"/>
+      <p:boldItalic r:id="rId24"/>
     </p:embeddedFont>
   </p:embeddedFontLst>
   <p:defaultTextStyle>
@@ -271,6 +273,11 @@
       </a:defRPr>
     </a:lvl9pPr>
   </p:defaultTextStyle>
+  <p:extLst>
+    <p:ext uri="{EFAFB233-063F-42B5-8137-9DF3F51BA10A}">
+      <p15:sldGuideLst xmlns:p15="http://schemas.microsoft.com/office/powerpoint/2012/main"/>
+    </p:ext>
+  </p:extLst>
 </p:presentation>
 </file>
 
@@ -308,8 +315,8 @@
         </p:nvSpPr>
         <p:spPr>
           <a:xfrm>
-            <a:off x="381175" y="685800"/>
-            <a:ext cx="6096300" cy="3429000"/>
+            <a:off x="1143000" y="685800"/>
+            <a:ext cx="4572000" cy="3429000"/>
           </a:xfrm>
           <a:custGeom>
             <a:avLst/>
@@ -744,8 +751,8 @@
         </p:nvSpPr>
         <p:spPr>
           <a:xfrm>
-            <a:off x="381000" y="685800"/>
-            <a:ext cx="6096000" cy="3429000"/>
+            <a:off x="1143000" y="685800"/>
+            <a:ext cx="4572000" cy="3429000"/>
           </a:xfrm>
           <a:custGeom>
             <a:avLst/>
@@ -848,8 +855,8 @@
         </p:nvSpPr>
         <p:spPr>
           <a:xfrm>
-            <a:off x="381000" y="685800"/>
-            <a:ext cx="6096000" cy="3429000"/>
+            <a:off x="1143000" y="685800"/>
+            <a:ext cx="4572000" cy="3429000"/>
           </a:xfrm>
           <a:custGeom>
             <a:avLst/>
@@ -911,7 +918,11 @@
               </a:spcAft>
               <a:buNone/>
             </a:pPr>
-            <a:endParaRPr/>
+            <a:r>
+              <a:rPr lang="en-US" dirty="0" err="1"/>
+              <a:t>nik</a:t>
+            </a:r>
+            <a:endParaRPr dirty="0"/>
           </a:p>
         </p:txBody>
       </p:sp>
@@ -952,8 +963,8 @@
         </p:nvSpPr>
         <p:spPr>
           <a:xfrm>
-            <a:off x="381000" y="685800"/>
-            <a:ext cx="6096000" cy="3429000"/>
+            <a:off x="1143000" y="685800"/>
+            <a:ext cx="4572000" cy="3429000"/>
           </a:xfrm>
           <a:custGeom>
             <a:avLst/>
@@ -1015,7 +1026,11 @@
               </a:spcAft>
               <a:buNone/>
             </a:pPr>
-            <a:endParaRPr/>
+            <a:r>
+              <a:rPr lang="en-US" dirty="0"/>
+              <a:t>Rudy</a:t>
+            </a:r>
+            <a:endParaRPr dirty="0"/>
           </a:p>
         </p:txBody>
       </p:sp>
@@ -1033,6 +1048,135 @@
 </file>
 
 <file path=ppt/notesSlides/notesSlide4.xml><?xml version="1.0" encoding="utf-8"?>
+<p:notes xmlns:a="http://schemas.openxmlformats.org/drawingml/2006/main" xmlns:r="http://schemas.openxmlformats.org/officeDocument/2006/relationships" xmlns:p="http://schemas.openxmlformats.org/presentationml/2006/main">
+  <p:cSld>
+    <p:spTree>
+      <p:nvGrpSpPr>
+        <p:cNvPr id="1" name=""/>
+        <p:cNvGrpSpPr/>
+        <p:nvPr/>
+      </p:nvGrpSpPr>
+      <p:grpSpPr>
+        <a:xfrm>
+          <a:off x="0" y="0"/>
+          <a:ext cx="0" cy="0"/>
+          <a:chOff x="0" y="0"/>
+          <a:chExt cx="0" cy="0"/>
+        </a:xfrm>
+      </p:grpSpPr>
+      <p:sp>
+        <p:nvSpPr>
+          <p:cNvPr id="2" name="Slide Image Placeholder 1"/>
+          <p:cNvSpPr>
+            <a:spLocks noGrp="1" noRot="1" noChangeAspect="1"/>
+          </p:cNvSpPr>
+          <p:nvPr>
+            <p:ph type="sldImg"/>
+          </p:nvPr>
+        </p:nvSpPr>
+        <p:spPr/>
+      </p:sp>
+      <p:sp>
+        <p:nvSpPr>
+          <p:cNvPr id="3" name="Notes Placeholder 2"/>
+          <p:cNvSpPr>
+            <a:spLocks noGrp="1"/>
+          </p:cNvSpPr>
+          <p:nvPr>
+            <p:ph type="body" idx="1"/>
+          </p:nvPr>
+        </p:nvSpPr>
+        <p:spPr/>
+        <p:txBody>
+          <a:bodyPr/>
+          <a:lstStyle/>
+          <a:p>
+            <a:r>
+              <a:rPr lang="en-US" dirty="0" err="1"/>
+              <a:t>Kostia</a:t>
+            </a:r>
+            <a:endParaRPr lang="en-US" dirty="0"/>
+          </a:p>
+        </p:txBody>
+      </p:sp>
+    </p:spTree>
+    <p:extLst>
+      <p:ext uri="{BB962C8B-B14F-4D97-AF65-F5344CB8AC3E}">
+        <p14:creationId xmlns:p14="http://schemas.microsoft.com/office/powerpoint/2010/main" val="3948234858"/>
+      </p:ext>
+    </p:extLst>
+  </p:cSld>
+  <p:clrMapOvr>
+    <a:masterClrMapping/>
+  </p:clrMapOvr>
+</p:notes>
+</file>
+
+<file path=ppt/notesSlides/notesSlide5.xml><?xml version="1.0" encoding="utf-8"?>
+<p:notes xmlns:a="http://schemas.openxmlformats.org/drawingml/2006/main" xmlns:r="http://schemas.openxmlformats.org/officeDocument/2006/relationships" xmlns:p="http://schemas.openxmlformats.org/presentationml/2006/main">
+  <p:cSld>
+    <p:spTree>
+      <p:nvGrpSpPr>
+        <p:cNvPr id="1" name=""/>
+        <p:cNvGrpSpPr/>
+        <p:nvPr/>
+      </p:nvGrpSpPr>
+      <p:grpSpPr>
+        <a:xfrm>
+          <a:off x="0" y="0"/>
+          <a:ext cx="0" cy="0"/>
+          <a:chOff x="0" y="0"/>
+          <a:chExt cx="0" cy="0"/>
+        </a:xfrm>
+      </p:grpSpPr>
+      <p:sp>
+        <p:nvSpPr>
+          <p:cNvPr id="2" name="Slide Image Placeholder 1"/>
+          <p:cNvSpPr>
+            <a:spLocks noGrp="1" noRot="1" noChangeAspect="1"/>
+          </p:cNvSpPr>
+          <p:nvPr>
+            <p:ph type="sldImg"/>
+          </p:nvPr>
+        </p:nvSpPr>
+        <p:spPr/>
+      </p:sp>
+      <p:sp>
+        <p:nvSpPr>
+          <p:cNvPr id="3" name="Notes Placeholder 2"/>
+          <p:cNvSpPr>
+            <a:spLocks noGrp="1"/>
+          </p:cNvSpPr>
+          <p:nvPr>
+            <p:ph type="body" idx="1"/>
+          </p:nvPr>
+        </p:nvSpPr>
+        <p:spPr/>
+        <p:txBody>
+          <a:bodyPr/>
+          <a:lstStyle/>
+          <a:p>
+            <a:r>
+              <a:rPr lang="en-US" dirty="0"/>
+              <a:t>Stephen</a:t>
+            </a:r>
+          </a:p>
+        </p:txBody>
+      </p:sp>
+    </p:spTree>
+    <p:extLst>
+      <p:ext uri="{BB962C8B-B14F-4D97-AF65-F5344CB8AC3E}">
+        <p14:creationId xmlns:p14="http://schemas.microsoft.com/office/powerpoint/2010/main" val="1312048343"/>
+      </p:ext>
+    </p:extLst>
+  </p:cSld>
+  <p:clrMapOvr>
+    <a:masterClrMapping/>
+  </p:clrMapOvr>
+</p:notes>
+</file>
+
+<file path=ppt/notesSlides/notesSlide6.xml><?xml version="1.0" encoding="utf-8"?>
 <p:notes xmlns:a="http://schemas.openxmlformats.org/drawingml/2006/main" xmlns:r="http://schemas.openxmlformats.org/officeDocument/2006/relationships" xmlns:p="http://schemas.openxmlformats.org/presentationml/2006/main" showMasterSp="0" showMasterPhAnim="0">
   <p:cSld>
     <p:spTree>
@@ -1061,8 +1205,8 @@
         </p:nvSpPr>
         <p:spPr>
           <a:xfrm>
-            <a:off x="381000" y="685800"/>
-            <a:ext cx="6096000" cy="3429000"/>
+            <a:off x="1143000" y="685800"/>
+            <a:ext cx="4572000" cy="3429000"/>
           </a:xfrm>
           <a:custGeom>
             <a:avLst/>
@@ -1124,14 +1268,18 @@
               </a:spcAft>
               <a:buNone/>
             </a:pPr>
-            <a:endParaRPr/>
+            <a:r>
+              <a:rPr lang="en-US" dirty="0" err="1"/>
+              <a:t>Kostia</a:t>
+            </a:r>
+            <a:endParaRPr dirty="0"/>
           </a:p>
         </p:txBody>
       </p:sp>
     </p:spTree>
     <p:extLst>
       <p:ext uri="{BB962C8B-B14F-4D97-AF65-F5344CB8AC3E}">
-        <p14:creationId xmlns:p14="http://schemas.microsoft.com/office/powerpoint/2010/main" val="20278379"/>
+        <p14:creationId xmlns:p14="http://schemas.microsoft.com/office/powerpoint/2010/main" val="411039872"/>
       </p:ext>
     </p:extLst>
   </p:cSld>
@@ -1141,7 +1289,7 @@
 </p:notes>
 </file>
 
-<file path=ppt/notesSlides/notesSlide5.xml><?xml version="1.0" encoding="utf-8"?>
+<file path=ppt/notesSlides/notesSlide7.xml><?xml version="1.0" encoding="utf-8"?>
 <p:notes xmlns:a="http://schemas.openxmlformats.org/drawingml/2006/main" xmlns:r="http://schemas.openxmlformats.org/officeDocument/2006/relationships" xmlns:p="http://schemas.openxmlformats.org/presentationml/2006/main" showMasterSp="0" showMasterPhAnim="0">
   <p:cSld>
     <p:spTree>
@@ -1170,8 +1318,8 @@
         </p:nvSpPr>
         <p:spPr>
           <a:xfrm>
-            <a:off x="381000" y="685800"/>
-            <a:ext cx="6096000" cy="3429000"/>
+            <a:off x="1143000" y="685800"/>
+            <a:ext cx="4572000" cy="3429000"/>
           </a:xfrm>
           <a:custGeom>
             <a:avLst/>
@@ -1233,14 +1381,18 @@
               </a:spcAft>
               <a:buNone/>
             </a:pPr>
-            <a:endParaRPr/>
+            <a:r>
+              <a:rPr lang="en-US" dirty="0"/>
+              <a:t>All</a:t>
+            </a:r>
+            <a:endParaRPr dirty="0"/>
           </a:p>
         </p:txBody>
       </p:sp>
     </p:spTree>
     <p:extLst>
       <p:ext uri="{BB962C8B-B14F-4D97-AF65-F5344CB8AC3E}">
-        <p14:creationId xmlns:p14="http://schemas.microsoft.com/office/powerpoint/2010/main" val="411039872"/>
+        <p14:creationId xmlns:p14="http://schemas.microsoft.com/office/powerpoint/2010/main" val="814521968"/>
       </p:ext>
     </p:extLst>
   </p:cSld>
@@ -1250,7 +1402,7 @@
 </p:notes>
 </file>
 
-<file path=ppt/notesSlides/notesSlide6.xml><?xml version="1.0" encoding="utf-8"?>
+<file path=ppt/notesSlides/notesSlide8.xml><?xml version="1.0" encoding="utf-8"?>
 <p:notes xmlns:a="http://schemas.openxmlformats.org/drawingml/2006/main" xmlns:r="http://schemas.openxmlformats.org/officeDocument/2006/relationships" xmlns:p="http://schemas.openxmlformats.org/presentationml/2006/main" showMasterSp="0" showMasterPhAnim="0">
   <p:cSld>
     <p:spTree>
@@ -1279,8 +1431,8 @@
         </p:nvSpPr>
         <p:spPr>
           <a:xfrm>
-            <a:off x="381000" y="685800"/>
-            <a:ext cx="6096000" cy="3429000"/>
+            <a:off x="1143000" y="685800"/>
+            <a:ext cx="4572000" cy="3429000"/>
           </a:xfrm>
           <a:custGeom>
             <a:avLst/>
@@ -1354,7 +1506,7 @@
 </p:notes>
 </file>
 
-<file path=ppt/notesSlides/notesSlide7.xml><?xml version="1.0" encoding="utf-8"?>
+<file path=ppt/notesSlides/notesSlide9.xml><?xml version="1.0" encoding="utf-8"?>
 <p:notes xmlns:a="http://schemas.openxmlformats.org/drawingml/2006/main" xmlns:r="http://schemas.openxmlformats.org/officeDocument/2006/relationships" xmlns:p="http://schemas.openxmlformats.org/presentationml/2006/main" showMasterSp="0" showMasterPhAnim="0">
   <p:cSld>
     <p:spTree>
@@ -1383,8 +1535,8 @@
         </p:nvSpPr>
         <p:spPr>
           <a:xfrm>
-            <a:off x="381000" y="685800"/>
-            <a:ext cx="6096000" cy="3429000"/>
+            <a:off x="1143000" y="685800"/>
+            <a:ext cx="4572000" cy="3429000"/>
           </a:xfrm>
           <a:custGeom>
             <a:avLst/>
@@ -1483,8 +1635,8 @@
         </p:nvGrpSpPr>
         <p:grpSpPr>
           <a:xfrm flipH="1">
-            <a:off x="912725" y="0"/>
-            <a:ext cx="8231275" cy="4331550"/>
+            <a:off x="684544" y="0"/>
+            <a:ext cx="6173456" cy="4331550"/>
             <a:chOff x="0" y="0"/>
             <a:chExt cx="8231275" cy="4331550"/>
           </a:xfrm>
@@ -1997,8 +2149,8 @@
         </p:nvSpPr>
         <p:spPr>
           <a:xfrm>
-            <a:off x="2027622" y="1953315"/>
-            <a:ext cx="5073300" cy="1159800"/>
+            <a:off x="1520717" y="1953315"/>
+            <a:ext cx="3804975" cy="1159800"/>
           </a:xfrm>
           <a:prstGeom prst="rect">
             <a:avLst/>
@@ -2018,7 +2170,7 @@
               </a:spcAft>
               <a:buSzPts val="4800"/>
               <a:buNone/>
-              <a:defRPr sz="4800"/>
+              <a:defRPr sz="3600"/>
             </a:lvl1pPr>
             <a:lvl2pPr lvl="1">
               <a:spcBef>
@@ -2029,7 +2181,7 @@
               </a:spcAft>
               <a:buSzPts val="4800"/>
               <a:buNone/>
-              <a:defRPr sz="4800"/>
+              <a:defRPr sz="3600"/>
             </a:lvl2pPr>
             <a:lvl3pPr lvl="2">
               <a:spcBef>
@@ -2040,7 +2192,7 @@
               </a:spcAft>
               <a:buSzPts val="4800"/>
               <a:buNone/>
-              <a:defRPr sz="4800"/>
+              <a:defRPr sz="3600"/>
             </a:lvl3pPr>
             <a:lvl4pPr lvl="3">
               <a:spcBef>
@@ -2051,7 +2203,7 @@
               </a:spcAft>
               <a:buSzPts val="4800"/>
               <a:buNone/>
-              <a:defRPr sz="4800"/>
+              <a:defRPr sz="3600"/>
             </a:lvl4pPr>
             <a:lvl5pPr lvl="4">
               <a:spcBef>
@@ -2062,7 +2214,7 @@
               </a:spcAft>
               <a:buSzPts val="4800"/>
               <a:buNone/>
-              <a:defRPr sz="4800"/>
+              <a:defRPr sz="3600"/>
             </a:lvl5pPr>
             <a:lvl6pPr lvl="5">
               <a:spcBef>
@@ -2073,7 +2225,7 @@
               </a:spcAft>
               <a:buSzPts val="4800"/>
               <a:buNone/>
-              <a:defRPr sz="4800"/>
+              <a:defRPr sz="3600"/>
             </a:lvl6pPr>
             <a:lvl7pPr lvl="6">
               <a:spcBef>
@@ -2084,7 +2236,7 @@
               </a:spcAft>
               <a:buSzPts val="4800"/>
               <a:buNone/>
-              <a:defRPr sz="4800"/>
+              <a:defRPr sz="3600"/>
             </a:lvl7pPr>
             <a:lvl8pPr lvl="7">
               <a:spcBef>
@@ -2095,7 +2247,7 @@
               </a:spcAft>
               <a:buSzPts val="4800"/>
               <a:buNone/>
-              <a:defRPr sz="4800"/>
+              <a:defRPr sz="3600"/>
             </a:lvl8pPr>
             <a:lvl9pPr lvl="8">
               <a:spcBef>
@@ -2106,7 +2258,7 @@
               </a:spcAft>
               <a:buSzPts val="4800"/>
               <a:buNone/>
-              <a:defRPr sz="4800"/>
+              <a:defRPr sz="3600"/>
             </a:lvl9pPr>
           </a:lstStyle>
           <a:p>
@@ -2123,7 +2275,7 @@
         <p:grpSpPr>
           <a:xfrm flipH="1">
             <a:off x="0" y="3088098"/>
-            <a:ext cx="4115725" cy="2270300"/>
+            <a:ext cx="3086794" cy="2270300"/>
             <a:chOff x="4115550" y="2061250"/>
             <a:chExt cx="4115725" cy="2270300"/>
           </a:xfrm>
@@ -2332,8 +2484,8 @@
         </p:nvGrpSpPr>
         <p:grpSpPr>
           <a:xfrm flipH="1">
-            <a:off x="4363774" y="-3213"/>
-            <a:ext cx="4780226" cy="2116171"/>
+            <a:off x="3272830" y="-3213"/>
+            <a:ext cx="3585170" cy="2116171"/>
             <a:chOff x="0" y="0"/>
             <a:chExt cx="5072935" cy="2245751"/>
           </a:xfrm>
@@ -2756,8 +2908,8 @@
         </p:nvGrpSpPr>
         <p:grpSpPr>
           <a:xfrm flipH="1">
-            <a:off x="6" y="3953174"/>
-            <a:ext cx="2390164" cy="1318453"/>
+            <a:off x="4" y="3953175"/>
+            <a:ext cx="1792623" cy="1318453"/>
             <a:chOff x="6607482" y="3879952"/>
             <a:chExt cx="2536521" cy="1399186"/>
           </a:xfrm>
@@ -2945,8 +3097,8 @@
         </p:nvSpPr>
         <p:spPr>
           <a:xfrm>
-            <a:off x="776450" y="402700"/>
-            <a:ext cx="3587400" cy="856800"/>
+            <a:off x="582338" y="402700"/>
+            <a:ext cx="2690550" cy="856800"/>
           </a:xfrm>
           <a:prstGeom prst="rect">
             <a:avLst/>
@@ -3074,8 +3226,8 @@
         </p:nvSpPr>
         <p:spPr>
           <a:xfrm>
-            <a:off x="776450" y="1524375"/>
-            <a:ext cx="3587400" cy="3077100"/>
+            <a:off x="582338" y="1524375"/>
+            <a:ext cx="2690550" cy="3077100"/>
           </a:xfrm>
           <a:prstGeom prst="rect">
             <a:avLst/>
@@ -3086,9 +3238,9 @@
             <a:noAutofit/>
           </a:bodyPr>
           <a:lstStyle>
-            <a:lvl1pPr marL="457200" lvl="0" indent="-355600">
-              <a:spcBef>
-                <a:spcPts val="600"/>
+            <a:lvl1pPr marL="342900" lvl="0" indent="-266700">
+              <a:spcBef>
+                <a:spcPts val="450"/>
               </a:spcBef>
               <a:spcAft>
                 <a:spcPts val="0"/>
@@ -3097,9 +3249,9 @@
               <a:buChar char="❑"/>
               <a:defRPr/>
             </a:lvl1pPr>
-            <a:lvl2pPr marL="914400" lvl="1" indent="-355600">
-              <a:spcBef>
-                <a:spcPts val="600"/>
+            <a:lvl2pPr marL="685800" lvl="1" indent="-266700">
+              <a:spcBef>
+                <a:spcPts val="450"/>
               </a:spcBef>
               <a:spcAft>
                 <a:spcPts val="0"/>
@@ -3108,9 +3260,9 @@
               <a:buChar char="❏"/>
               <a:defRPr/>
             </a:lvl2pPr>
-            <a:lvl3pPr marL="1371600" lvl="2" indent="-355600">
-              <a:spcBef>
-                <a:spcPts val="600"/>
+            <a:lvl3pPr marL="1028700" lvl="2" indent="-266700">
+              <a:spcBef>
+                <a:spcPts val="450"/>
               </a:spcBef>
               <a:spcAft>
                 <a:spcPts val="0"/>
@@ -3119,9 +3271,9 @@
               <a:buChar char="❏"/>
               <a:defRPr/>
             </a:lvl3pPr>
-            <a:lvl4pPr marL="1828800" lvl="3" indent="-355600">
-              <a:spcBef>
-                <a:spcPts val="600"/>
+            <a:lvl4pPr marL="1371600" lvl="3" indent="-266700">
+              <a:spcBef>
+                <a:spcPts val="450"/>
               </a:spcBef>
               <a:spcAft>
                 <a:spcPts val="0"/>
@@ -3130,9 +3282,9 @@
               <a:buChar char="❏"/>
               <a:defRPr/>
             </a:lvl4pPr>
-            <a:lvl5pPr marL="2286000" lvl="4" indent="-355600">
-              <a:spcBef>
-                <a:spcPts val="600"/>
+            <a:lvl5pPr marL="1714500" lvl="4" indent="-266700">
+              <a:spcBef>
+                <a:spcPts val="450"/>
               </a:spcBef>
               <a:spcAft>
                 <a:spcPts val="0"/>
@@ -3141,9 +3293,9 @@
               <a:buChar char="❏"/>
               <a:defRPr/>
             </a:lvl5pPr>
-            <a:lvl6pPr marL="2743200" lvl="5" indent="-355600">
-              <a:spcBef>
-                <a:spcPts val="600"/>
+            <a:lvl6pPr marL="2057400" lvl="5" indent="-266700">
+              <a:spcBef>
+                <a:spcPts val="450"/>
               </a:spcBef>
               <a:spcAft>
                 <a:spcPts val="0"/>
@@ -3152,9 +3304,9 @@
               <a:buChar char="❏"/>
               <a:defRPr/>
             </a:lvl6pPr>
-            <a:lvl7pPr marL="3200400" lvl="6" indent="-355600">
-              <a:spcBef>
-                <a:spcPts val="600"/>
+            <a:lvl7pPr marL="2400300" lvl="6" indent="-266700">
+              <a:spcBef>
+                <a:spcPts val="450"/>
               </a:spcBef>
               <a:spcAft>
                 <a:spcPts val="0"/>
@@ -3163,9 +3315,9 @@
               <a:buChar char="❏"/>
               <a:defRPr/>
             </a:lvl7pPr>
-            <a:lvl8pPr marL="3657600" lvl="7" indent="-355600">
-              <a:spcBef>
-                <a:spcPts val="600"/>
+            <a:lvl8pPr marL="2743200" lvl="7" indent="-266700">
+              <a:spcBef>
+                <a:spcPts val="450"/>
               </a:spcBef>
               <a:spcAft>
                 <a:spcPts val="0"/>
@@ -3174,9 +3326,9 @@
               <a:buChar char="❏"/>
               <a:defRPr/>
             </a:lvl8pPr>
-            <a:lvl9pPr marL="4114800" lvl="8" indent="-355600">
-              <a:spcBef>
-                <a:spcPts val="600"/>
+            <a:lvl9pPr marL="3086100" lvl="8" indent="-266700">
+              <a:spcBef>
+                <a:spcPts val="450"/>
               </a:spcBef>
               <a:spcAft>
                 <a:spcPts val="0"/>
@@ -3203,8 +3355,8 @@
         </p:nvSpPr>
         <p:spPr>
           <a:xfrm>
-            <a:off x="4780150" y="1524375"/>
-            <a:ext cx="3587400" cy="3077100"/>
+            <a:off x="3585113" y="1524375"/>
+            <a:ext cx="2690550" cy="3077100"/>
           </a:xfrm>
           <a:prstGeom prst="rect">
             <a:avLst/>
@@ -3215,9 +3367,9 @@
             <a:noAutofit/>
           </a:bodyPr>
           <a:lstStyle>
-            <a:lvl1pPr marL="457200" lvl="0" indent="-355600">
-              <a:spcBef>
-                <a:spcPts val="600"/>
+            <a:lvl1pPr marL="342900" lvl="0" indent="-266700">
+              <a:spcBef>
+                <a:spcPts val="450"/>
               </a:spcBef>
               <a:spcAft>
                 <a:spcPts val="0"/>
@@ -3226,9 +3378,9 @@
               <a:buChar char="❑"/>
               <a:defRPr/>
             </a:lvl1pPr>
-            <a:lvl2pPr marL="914400" lvl="1" indent="-355600">
-              <a:spcBef>
-                <a:spcPts val="600"/>
+            <a:lvl2pPr marL="685800" lvl="1" indent="-266700">
+              <a:spcBef>
+                <a:spcPts val="450"/>
               </a:spcBef>
               <a:spcAft>
                 <a:spcPts val="0"/>
@@ -3237,9 +3389,9 @@
               <a:buChar char="❏"/>
               <a:defRPr/>
             </a:lvl2pPr>
-            <a:lvl3pPr marL="1371600" lvl="2" indent="-355600">
-              <a:spcBef>
-                <a:spcPts val="600"/>
+            <a:lvl3pPr marL="1028700" lvl="2" indent="-266700">
+              <a:spcBef>
+                <a:spcPts val="450"/>
               </a:spcBef>
               <a:spcAft>
                 <a:spcPts val="0"/>
@@ -3248,9 +3400,9 @@
               <a:buChar char="❏"/>
               <a:defRPr/>
             </a:lvl3pPr>
-            <a:lvl4pPr marL="1828800" lvl="3" indent="-355600">
-              <a:spcBef>
-                <a:spcPts val="600"/>
+            <a:lvl4pPr marL="1371600" lvl="3" indent="-266700">
+              <a:spcBef>
+                <a:spcPts val="450"/>
               </a:spcBef>
               <a:spcAft>
                 <a:spcPts val="0"/>
@@ -3259,9 +3411,9 @@
               <a:buChar char="❏"/>
               <a:defRPr/>
             </a:lvl4pPr>
-            <a:lvl5pPr marL="2286000" lvl="4" indent="-355600">
-              <a:spcBef>
-                <a:spcPts val="600"/>
+            <a:lvl5pPr marL="1714500" lvl="4" indent="-266700">
+              <a:spcBef>
+                <a:spcPts val="450"/>
               </a:spcBef>
               <a:spcAft>
                 <a:spcPts val="0"/>
@@ -3270,9 +3422,9 @@
               <a:buChar char="❏"/>
               <a:defRPr/>
             </a:lvl5pPr>
-            <a:lvl6pPr marL="2743200" lvl="5" indent="-355600">
-              <a:spcBef>
-                <a:spcPts val="600"/>
+            <a:lvl6pPr marL="2057400" lvl="5" indent="-266700">
+              <a:spcBef>
+                <a:spcPts val="450"/>
               </a:spcBef>
               <a:spcAft>
                 <a:spcPts val="0"/>
@@ -3281,9 +3433,9 @@
               <a:buChar char="❏"/>
               <a:defRPr/>
             </a:lvl6pPr>
-            <a:lvl7pPr marL="3200400" lvl="6" indent="-355600">
-              <a:spcBef>
-                <a:spcPts val="600"/>
+            <a:lvl7pPr marL="2400300" lvl="6" indent="-266700">
+              <a:spcBef>
+                <a:spcPts val="450"/>
               </a:spcBef>
               <a:spcAft>
                 <a:spcPts val="0"/>
@@ -3292,9 +3444,9 @@
               <a:buChar char="❏"/>
               <a:defRPr/>
             </a:lvl7pPr>
-            <a:lvl8pPr marL="3657600" lvl="7" indent="-355600">
-              <a:spcBef>
-                <a:spcPts val="600"/>
+            <a:lvl8pPr marL="2743200" lvl="7" indent="-266700">
+              <a:spcBef>
+                <a:spcPts val="450"/>
               </a:spcBef>
               <a:spcAft>
                 <a:spcPts val="0"/>
@@ -3303,9 +3455,9 @@
               <a:buChar char="❏"/>
               <a:defRPr/>
             </a:lvl8pPr>
-            <a:lvl9pPr marL="4114800" lvl="8" indent="-355600">
-              <a:spcBef>
-                <a:spcPts val="600"/>
+            <a:lvl9pPr marL="3086100" lvl="8" indent="-266700">
+              <a:spcBef>
+                <a:spcPts val="450"/>
               </a:spcBef>
               <a:spcAft>
                 <a:spcPts val="0"/>
@@ -3332,8 +3484,8 @@
         </p:nvSpPr>
         <p:spPr>
           <a:xfrm>
-            <a:off x="8729400" y="4734075"/>
-            <a:ext cx="414600" cy="409500"/>
+            <a:off x="6547050" y="4734075"/>
+            <a:ext cx="310950" cy="409500"/>
           </a:xfrm>
           <a:prstGeom prst="rect">
             <a:avLst/>
@@ -3382,20 +3534,12 @@
             </a:lvl9pPr>
           </a:lstStyle>
           <a:p>
-            <a:pPr marL="0" lvl="0" indent="0" algn="ctr" rtl="0">
-              <a:spcBef>
-                <a:spcPts val="0"/>
-              </a:spcBef>
-              <a:spcAft>
-                <a:spcPts val="0"/>
-              </a:spcAft>
-              <a:buNone/>
-            </a:pPr>
             <a:fld id="{00000000-1234-1234-1234-123412341234}" type="slidenum">
-              <a:rPr lang="en"/>
+              <a:rPr lang="en" smtClean="0"/>
+              <a:pPr/>
               <a:t>‹#›</a:t>
             </a:fld>
-            <a:endParaRPr/>
+            <a:endParaRPr lang="en"/>
           </a:p>
         </p:txBody>
       </p:sp>
@@ -3436,8 +3580,8 @@
         </p:nvSpPr>
         <p:spPr>
           <a:xfrm>
-            <a:off x="8729400" y="4734075"/>
-            <a:ext cx="414600" cy="409500"/>
+            <a:off x="6547050" y="4734075"/>
+            <a:ext cx="310950" cy="409500"/>
           </a:xfrm>
           <a:prstGeom prst="rect">
             <a:avLst/>
@@ -3486,20 +3630,12 @@
             </a:lvl9pPr>
           </a:lstStyle>
           <a:p>
-            <a:pPr marL="0" lvl="0" indent="0" algn="ctr" rtl="0">
-              <a:spcBef>
-                <a:spcPts val="0"/>
-              </a:spcBef>
-              <a:spcAft>
-                <a:spcPts val="0"/>
-              </a:spcAft>
-              <a:buNone/>
-            </a:pPr>
             <a:fld id="{00000000-1234-1234-1234-123412341234}" type="slidenum">
-              <a:rPr lang="en"/>
+              <a:rPr lang="en" smtClean="0"/>
+              <a:pPr/>
               <a:t>‹#›</a:t>
             </a:fld>
-            <a:endParaRPr/>
+            <a:endParaRPr lang="en"/>
           </a:p>
         </p:txBody>
       </p:sp>
@@ -3511,8 +3647,8 @@
         </p:nvGrpSpPr>
         <p:grpSpPr>
           <a:xfrm flipH="1">
-            <a:off x="5714250" y="0"/>
-            <a:ext cx="3429750" cy="3643925"/>
+            <a:off x="4285687" y="1"/>
+            <a:ext cx="2572313" cy="3643925"/>
             <a:chOff x="0" y="0"/>
             <a:chExt cx="3429750" cy="3643925"/>
           </a:xfrm>
@@ -3710,7 +3846,7 @@
         <p:grpSpPr>
           <a:xfrm flipH="1">
             <a:off x="0" y="3095415"/>
-            <a:ext cx="5487525" cy="2270300"/>
+            <a:ext cx="4115644" cy="2270300"/>
             <a:chOff x="2743750" y="2061250"/>
             <a:chExt cx="5487525" cy="2270300"/>
           </a:xfrm>
@@ -3976,8 +4112,8 @@
         </p:nvSpPr>
         <p:spPr>
           <a:xfrm>
-            <a:off x="776450" y="402700"/>
-            <a:ext cx="3587400" cy="856800"/>
+            <a:off x="582338" y="402700"/>
+            <a:ext cx="2690550" cy="856800"/>
           </a:xfrm>
           <a:prstGeom prst="rect">
             <a:avLst/>
@@ -4217,8 +4353,8 @@
         </p:nvSpPr>
         <p:spPr>
           <a:xfrm>
-            <a:off x="776450" y="1524375"/>
-            <a:ext cx="7591200" cy="2932500"/>
+            <a:off x="582338" y="1524375"/>
+            <a:ext cx="5693400" cy="2932500"/>
           </a:xfrm>
           <a:prstGeom prst="rect">
             <a:avLst/>
@@ -4485,8 +4621,8 @@
         </p:nvSpPr>
         <p:spPr>
           <a:xfrm>
-            <a:off x="8729400" y="4734075"/>
-            <a:ext cx="414600" cy="409500"/>
+            <a:off x="6547050" y="4734075"/>
+            <a:ext cx="310950" cy="409500"/>
           </a:xfrm>
           <a:prstGeom prst="rect">
             <a:avLst/>
@@ -4503,7 +4639,7 @@
           <a:lstStyle>
             <a:lvl1pPr lvl="0" algn="ctr">
               <a:buNone/>
-              <a:defRPr sz="1300">
+              <a:defRPr sz="975">
                 <a:solidFill>
                   <a:schemeClr val="dk2"/>
                 </a:solidFill>
@@ -4515,7 +4651,7 @@
             </a:lvl1pPr>
             <a:lvl2pPr lvl="1" algn="ctr">
               <a:buNone/>
-              <a:defRPr sz="1300">
+              <a:defRPr sz="975">
                 <a:solidFill>
                   <a:schemeClr val="dk2"/>
                 </a:solidFill>
@@ -4527,7 +4663,7 @@
             </a:lvl2pPr>
             <a:lvl3pPr lvl="2" algn="ctr">
               <a:buNone/>
-              <a:defRPr sz="1300">
+              <a:defRPr sz="975">
                 <a:solidFill>
                   <a:schemeClr val="dk2"/>
                 </a:solidFill>
@@ -4539,7 +4675,7 @@
             </a:lvl3pPr>
             <a:lvl4pPr lvl="3" algn="ctr">
               <a:buNone/>
-              <a:defRPr sz="1300">
+              <a:defRPr sz="975">
                 <a:solidFill>
                   <a:schemeClr val="dk2"/>
                 </a:solidFill>
@@ -4551,7 +4687,7 @@
             </a:lvl4pPr>
             <a:lvl5pPr lvl="4" algn="ctr">
               <a:buNone/>
-              <a:defRPr sz="1300">
+              <a:defRPr sz="975">
                 <a:solidFill>
                   <a:schemeClr val="dk2"/>
                 </a:solidFill>
@@ -4563,7 +4699,7 @@
             </a:lvl5pPr>
             <a:lvl6pPr lvl="5" algn="ctr">
               <a:buNone/>
-              <a:defRPr sz="1300">
+              <a:defRPr sz="975">
                 <a:solidFill>
                   <a:schemeClr val="dk2"/>
                 </a:solidFill>
@@ -4575,7 +4711,7 @@
             </a:lvl6pPr>
             <a:lvl7pPr lvl="6" algn="ctr">
               <a:buNone/>
-              <a:defRPr sz="1300">
+              <a:defRPr sz="975">
                 <a:solidFill>
                   <a:schemeClr val="dk2"/>
                 </a:solidFill>
@@ -4587,7 +4723,7 @@
             </a:lvl7pPr>
             <a:lvl8pPr lvl="7" algn="ctr">
               <a:buNone/>
-              <a:defRPr sz="1300">
+              <a:defRPr sz="975">
                 <a:solidFill>
                   <a:schemeClr val="dk2"/>
                 </a:solidFill>
@@ -4599,7 +4735,7 @@
             </a:lvl8pPr>
             <a:lvl9pPr lvl="8" algn="ctr">
               <a:buNone/>
-              <a:defRPr sz="1300">
+              <a:defRPr sz="975">
                 <a:solidFill>
                   <a:schemeClr val="dk2"/>
                 </a:solidFill>
@@ -4611,20 +4747,12 @@
             </a:lvl9pPr>
           </a:lstStyle>
           <a:p>
-            <a:pPr marL="0" lvl="0" indent="0" algn="ctr" rtl="0">
-              <a:spcBef>
-                <a:spcPts val="0"/>
-              </a:spcBef>
-              <a:spcAft>
-                <a:spcPts val="0"/>
-              </a:spcAft>
-              <a:buNone/>
-            </a:pPr>
             <a:fld id="{00000000-1234-1234-1234-123412341234}" type="slidenum">
-              <a:rPr lang="en"/>
+              <a:rPr lang="en" smtClean="0"/>
+              <a:pPr/>
               <a:t>‹#›</a:t>
             </a:fld>
-            <a:endParaRPr/>
+            <a:endParaRPr lang="en"/>
           </a:p>
         </p:txBody>
       </p:sp>
@@ -4667,7 +4795,7 @@
           <a:srgbClr val="000000"/>
         </a:buClr>
         <a:buFont typeface="Arial"/>
-        <a:defRPr sz="1400" b="0" i="0" u="none" strike="noStrike" cap="none">
+        <a:defRPr sz="1050" b="0" i="0" u="none" strike="noStrike" cap="none">
           <a:solidFill>
             <a:srgbClr val="000000"/>
           </a:solidFill>
@@ -4691,7 +4819,7 @@
           <a:srgbClr val="000000"/>
         </a:buClr>
         <a:buFont typeface="Arial"/>
-        <a:defRPr sz="1400" b="0" i="0" u="none" strike="noStrike" cap="none">
+        <a:defRPr sz="1050" b="0" i="0" u="none" strike="noStrike" cap="none">
           <a:solidFill>
             <a:srgbClr val="000000"/>
           </a:solidFill>
@@ -4715,7 +4843,7 @@
           <a:srgbClr val="000000"/>
         </a:buClr>
         <a:buFont typeface="Arial"/>
-        <a:defRPr sz="1400" b="0" i="0" u="none" strike="noStrike" cap="none">
+        <a:defRPr sz="1050" b="0" i="0" u="none" strike="noStrike" cap="none">
           <a:solidFill>
             <a:srgbClr val="000000"/>
           </a:solidFill>
@@ -4739,7 +4867,7 @@
           <a:srgbClr val="000000"/>
         </a:buClr>
         <a:buFont typeface="Arial"/>
-        <a:defRPr sz="1400" b="0" i="0" u="none" strike="noStrike" cap="none">
+        <a:defRPr sz="1050" b="0" i="0" u="none" strike="noStrike" cap="none">
           <a:solidFill>
             <a:srgbClr val="000000"/>
           </a:solidFill>
@@ -4763,7 +4891,7 @@
           <a:srgbClr val="000000"/>
         </a:buClr>
         <a:buFont typeface="Arial"/>
-        <a:defRPr sz="1400" b="0" i="0" u="none" strike="noStrike" cap="none">
+        <a:defRPr sz="1050" b="0" i="0" u="none" strike="noStrike" cap="none">
           <a:solidFill>
             <a:srgbClr val="000000"/>
           </a:solidFill>
@@ -4787,7 +4915,7 @@
           <a:srgbClr val="000000"/>
         </a:buClr>
         <a:buFont typeface="Arial"/>
-        <a:defRPr sz="1400" b="0" i="0" u="none" strike="noStrike" cap="none">
+        <a:defRPr sz="1050" b="0" i="0" u="none" strike="noStrike" cap="none">
           <a:solidFill>
             <a:srgbClr val="000000"/>
           </a:solidFill>
@@ -4811,7 +4939,7 @@
           <a:srgbClr val="000000"/>
         </a:buClr>
         <a:buFont typeface="Arial"/>
-        <a:defRPr sz="1400" b="0" i="0" u="none" strike="noStrike" cap="none">
+        <a:defRPr sz="1050" b="0" i="0" u="none" strike="noStrike" cap="none">
           <a:solidFill>
             <a:srgbClr val="000000"/>
           </a:solidFill>
@@ -4835,7 +4963,7 @@
           <a:srgbClr val="000000"/>
         </a:buClr>
         <a:buFont typeface="Arial"/>
-        <a:defRPr sz="1400" b="0" i="0" u="none" strike="noStrike" cap="none">
+        <a:defRPr sz="1050" b="0" i="0" u="none" strike="noStrike" cap="none">
           <a:solidFill>
             <a:srgbClr val="000000"/>
           </a:solidFill>
@@ -4859,7 +4987,7 @@
           <a:srgbClr val="000000"/>
         </a:buClr>
         <a:buFont typeface="Arial"/>
-        <a:defRPr sz="1400" b="0" i="0" u="none" strike="noStrike" cap="none">
+        <a:defRPr sz="1050" b="0" i="0" u="none" strike="noStrike" cap="none">
           <a:solidFill>
             <a:srgbClr val="000000"/>
           </a:solidFill>
@@ -4896,7 +5024,7 @@
           <a:srgbClr val="000000"/>
         </a:buClr>
         <a:buFont typeface="Arial"/>
-        <a:defRPr sz="1400" b="0" i="0" u="none" strike="noStrike" cap="none">
+        <a:defRPr sz="1050" b="0" i="0" u="none" strike="noStrike" cap="none">
           <a:solidFill>
             <a:srgbClr val="000000"/>
           </a:solidFill>
@@ -4920,7 +5048,7 @@
           <a:srgbClr val="000000"/>
         </a:buClr>
         <a:buFont typeface="Arial"/>
-        <a:defRPr sz="1400" b="0" i="0" u="none" strike="noStrike" cap="none">
+        <a:defRPr sz="1050" b="0" i="0" u="none" strike="noStrike" cap="none">
           <a:solidFill>
             <a:srgbClr val="000000"/>
           </a:solidFill>
@@ -4944,7 +5072,7 @@
           <a:srgbClr val="000000"/>
         </a:buClr>
         <a:buFont typeface="Arial"/>
-        <a:defRPr sz="1400" b="0" i="0" u="none" strike="noStrike" cap="none">
+        <a:defRPr sz="1050" b="0" i="0" u="none" strike="noStrike" cap="none">
           <a:solidFill>
             <a:srgbClr val="000000"/>
           </a:solidFill>
@@ -4968,7 +5096,7 @@
           <a:srgbClr val="000000"/>
         </a:buClr>
         <a:buFont typeface="Arial"/>
-        <a:defRPr sz="1400" b="0" i="0" u="none" strike="noStrike" cap="none">
+        <a:defRPr sz="1050" b="0" i="0" u="none" strike="noStrike" cap="none">
           <a:solidFill>
             <a:srgbClr val="000000"/>
           </a:solidFill>
@@ -4992,7 +5120,7 @@
           <a:srgbClr val="000000"/>
         </a:buClr>
         <a:buFont typeface="Arial"/>
-        <a:defRPr sz="1400" b="0" i="0" u="none" strike="noStrike" cap="none">
+        <a:defRPr sz="1050" b="0" i="0" u="none" strike="noStrike" cap="none">
           <a:solidFill>
             <a:srgbClr val="000000"/>
           </a:solidFill>
@@ -5016,7 +5144,7 @@
           <a:srgbClr val="000000"/>
         </a:buClr>
         <a:buFont typeface="Arial"/>
-        <a:defRPr sz="1400" b="0" i="0" u="none" strike="noStrike" cap="none">
+        <a:defRPr sz="1050" b="0" i="0" u="none" strike="noStrike" cap="none">
           <a:solidFill>
             <a:srgbClr val="000000"/>
           </a:solidFill>
@@ -5040,7 +5168,7 @@
           <a:srgbClr val="000000"/>
         </a:buClr>
         <a:buFont typeface="Arial"/>
-        <a:defRPr sz="1400" b="0" i="0" u="none" strike="noStrike" cap="none">
+        <a:defRPr sz="1050" b="0" i="0" u="none" strike="noStrike" cap="none">
           <a:solidFill>
             <a:srgbClr val="000000"/>
           </a:solidFill>
@@ -5064,7 +5192,7 @@
           <a:srgbClr val="000000"/>
         </a:buClr>
         <a:buFont typeface="Arial"/>
-        <a:defRPr sz="1400" b="0" i="0" u="none" strike="noStrike" cap="none">
+        <a:defRPr sz="1050" b="0" i="0" u="none" strike="noStrike" cap="none">
           <a:solidFill>
             <a:srgbClr val="000000"/>
           </a:solidFill>
@@ -5088,7 +5216,7 @@
           <a:srgbClr val="000000"/>
         </a:buClr>
         <a:buFont typeface="Arial"/>
-        <a:defRPr sz="1400" b="0" i="0" u="none" strike="noStrike" cap="none">
+        <a:defRPr sz="1050" b="0" i="0" u="none" strike="noStrike" cap="none">
           <a:solidFill>
             <a:srgbClr val="000000"/>
           </a:solidFill>
@@ -5125,7 +5253,7 @@
           <a:srgbClr val="000000"/>
         </a:buClr>
         <a:buFont typeface="Arial"/>
-        <a:defRPr sz="1400" b="0" i="0" u="none" strike="noStrike" cap="none">
+        <a:defRPr sz="1050" b="0" i="0" u="none" strike="noStrike" cap="none">
           <a:solidFill>
             <a:srgbClr val="000000"/>
           </a:solidFill>
@@ -5149,7 +5277,7 @@
           <a:srgbClr val="000000"/>
         </a:buClr>
         <a:buFont typeface="Arial"/>
-        <a:defRPr sz="1400" b="0" i="0" u="none" strike="noStrike" cap="none">
+        <a:defRPr sz="1050" b="0" i="0" u="none" strike="noStrike" cap="none">
           <a:solidFill>
             <a:srgbClr val="000000"/>
           </a:solidFill>
@@ -5173,7 +5301,7 @@
           <a:srgbClr val="000000"/>
         </a:buClr>
         <a:buFont typeface="Arial"/>
-        <a:defRPr sz="1400" b="0" i="0" u="none" strike="noStrike" cap="none">
+        <a:defRPr sz="1050" b="0" i="0" u="none" strike="noStrike" cap="none">
           <a:solidFill>
             <a:srgbClr val="000000"/>
           </a:solidFill>
@@ -5197,7 +5325,7 @@
           <a:srgbClr val="000000"/>
         </a:buClr>
         <a:buFont typeface="Arial"/>
-        <a:defRPr sz="1400" b="0" i="0" u="none" strike="noStrike" cap="none">
+        <a:defRPr sz="1050" b="0" i="0" u="none" strike="noStrike" cap="none">
           <a:solidFill>
             <a:srgbClr val="000000"/>
           </a:solidFill>
@@ -5221,7 +5349,7 @@
           <a:srgbClr val="000000"/>
         </a:buClr>
         <a:buFont typeface="Arial"/>
-        <a:defRPr sz="1400" b="0" i="0" u="none" strike="noStrike" cap="none">
+        <a:defRPr sz="1050" b="0" i="0" u="none" strike="noStrike" cap="none">
           <a:solidFill>
             <a:srgbClr val="000000"/>
           </a:solidFill>
@@ -5245,7 +5373,7 @@
           <a:srgbClr val="000000"/>
         </a:buClr>
         <a:buFont typeface="Arial"/>
-        <a:defRPr sz="1400" b="0" i="0" u="none" strike="noStrike" cap="none">
+        <a:defRPr sz="1050" b="0" i="0" u="none" strike="noStrike" cap="none">
           <a:solidFill>
             <a:srgbClr val="000000"/>
           </a:solidFill>
@@ -5269,7 +5397,7 @@
           <a:srgbClr val="000000"/>
         </a:buClr>
         <a:buFont typeface="Arial"/>
-        <a:defRPr sz="1400" b="0" i="0" u="none" strike="noStrike" cap="none">
+        <a:defRPr sz="1050" b="0" i="0" u="none" strike="noStrike" cap="none">
           <a:solidFill>
             <a:srgbClr val="000000"/>
           </a:solidFill>
@@ -5293,7 +5421,7 @@
           <a:srgbClr val="000000"/>
         </a:buClr>
         <a:buFont typeface="Arial"/>
-        <a:defRPr sz="1400" b="0" i="0" u="none" strike="noStrike" cap="none">
+        <a:defRPr sz="1050" b="0" i="0" u="none" strike="noStrike" cap="none">
           <a:solidFill>
             <a:srgbClr val="000000"/>
           </a:solidFill>
@@ -5317,7 +5445,7 @@
           <a:srgbClr val="000000"/>
         </a:buClr>
         <a:buFont typeface="Arial"/>
-        <a:defRPr sz="1400" b="0" i="0" u="none" strike="noStrike" cap="none">
+        <a:defRPr sz="1050" b="0" i="0" u="none" strike="noStrike" cap="none">
           <a:solidFill>
             <a:srgbClr val="000000"/>
           </a:solidFill>
@@ -5361,8 +5489,8 @@
         </p:nvSpPr>
         <p:spPr>
           <a:xfrm>
-            <a:off x="1500340" y="1886571"/>
-            <a:ext cx="5073300" cy="1159800"/>
+            <a:off x="1125255" y="1597329"/>
+            <a:ext cx="4287726" cy="869850"/>
           </a:xfrm>
           <a:prstGeom prst="rect">
             <a:avLst/>
@@ -5374,15 +5502,6 @@
           </a:bodyPr>
           <a:lstStyle/>
           <a:p>
-            <a:pPr marL="0" lvl="0" indent="0" algn="l" rtl="0">
-              <a:spcBef>
-                <a:spcPts val="0"/>
-              </a:spcBef>
-              <a:spcAft>
-                <a:spcPts val="0"/>
-              </a:spcAft>
-              <a:buNone/>
-            </a:pPr>
             <a:r>
               <a:rPr lang="en-US" sz="5400" dirty="0"/>
               <a:t>GRID RUNNER</a:t>
@@ -5405,8 +5524,8 @@
         </p:nvSpPr>
         <p:spPr>
           <a:xfrm>
-            <a:off x="1575171" y="3046371"/>
-            <a:ext cx="4024695" cy="523220"/>
+            <a:off x="1181379" y="2927716"/>
+            <a:ext cx="3018521" cy="415498"/>
           </a:xfrm>
           <a:prstGeom prst="rect">
             <a:avLst/>
@@ -5420,49 +5539,671 @@
           <a:lstStyle/>
           <a:p>
             <a:r>
-              <a:rPr lang="en-US" dirty="0" err="1"/>
+              <a:rPr lang="en-US" sz="1050" dirty="0" err="1"/>
               <a:t>Kostiantyn</a:t>
             </a:r>
             <a:r>
-              <a:rPr lang="en-US" dirty="0"/>
+              <a:rPr lang="en-US" sz="1050" dirty="0"/>
               <a:t> </a:t>
             </a:r>
             <a:r>
-              <a:rPr lang="en-US" dirty="0" err="1"/>
+              <a:rPr lang="en-US" sz="1050" dirty="0" err="1"/>
               <a:t>Makrasnov</a:t>
             </a:r>
             <a:r>
-              <a:rPr lang="en-US" dirty="0"/>
+              <a:rPr lang="en-US" sz="1050" dirty="0"/>
               <a:t>, </a:t>
             </a:r>
             <a:r>
-              <a:rPr lang="en-US" dirty="0" err="1"/>
+              <a:rPr lang="en-US" sz="1050" dirty="0" err="1"/>
               <a:t>Rudyjay</a:t>
             </a:r>
             <a:r>
-              <a:rPr lang="en-US" dirty="0"/>
+              <a:rPr lang="en-US" sz="1050" dirty="0"/>
               <a:t> </a:t>
             </a:r>
             <a:r>
-              <a:rPr lang="en-US" dirty="0" err="1"/>
+              <a:rPr lang="en-US" sz="1050" dirty="0" err="1"/>
               <a:t>Keopuhiwa</a:t>
             </a:r>
             <a:r>
-              <a:rPr lang="en-US" dirty="0"/>
+              <a:rPr lang="en-US" sz="1050" dirty="0"/>
               <a:t>, </a:t>
             </a:r>
             <a:r>
-              <a:rPr lang="en-US" dirty="0" err="1"/>
+              <a:rPr lang="en-US" sz="1050" dirty="0" err="1"/>
               <a:t>Niklas</a:t>
             </a:r>
             <a:r>
-              <a:rPr lang="en-US" dirty="0"/>
+              <a:rPr lang="en-US" sz="1050" dirty="0"/>
               <a:t> Roberts, Stephen Haugland</a:t>
             </a:r>
           </a:p>
         </p:txBody>
       </p:sp>
     </p:spTree>
+  </p:cSld>
+  <p:clrMapOvr>
+    <a:masterClrMapping/>
+  </p:clrMapOvr>
+</p:sld>
+</file>
+
+<file path=ppt/slides/slide10.xml><?xml version="1.0" encoding="utf-8"?>
+<p:sld xmlns:a="http://schemas.openxmlformats.org/drawingml/2006/main" xmlns:r="http://schemas.openxmlformats.org/officeDocument/2006/relationships" xmlns:p="http://schemas.openxmlformats.org/presentationml/2006/main">
+  <p:cSld>
+    <p:spTree>
+      <p:nvGrpSpPr>
+        <p:cNvPr id="1" name=""/>
+        <p:cNvGrpSpPr/>
+        <p:nvPr/>
+      </p:nvGrpSpPr>
+      <p:grpSpPr>
+        <a:xfrm>
+          <a:off x="0" y="0"/>
+          <a:ext cx="0" cy="0"/>
+          <a:chOff x="0" y="0"/>
+          <a:chExt cx="0" cy="0"/>
+        </a:xfrm>
+      </p:grpSpPr>
+      <p:sp>
+        <p:nvSpPr>
+          <p:cNvPr id="2" name="Slide Number Placeholder 1">
+            <a:extLst>
+              <a:ext uri="{FF2B5EF4-FFF2-40B4-BE49-F238E27FC236}">
+                <a16:creationId xmlns:a16="http://schemas.microsoft.com/office/drawing/2014/main" id="{4E057542-16F1-4991-AB78-17C70A01CBC1}"/>
+              </a:ext>
+            </a:extLst>
+          </p:cNvPr>
+          <p:cNvSpPr>
+            <a:spLocks noGrp="1"/>
+          </p:cNvSpPr>
+          <p:nvPr>
+            <p:ph type="sldNum" idx="12"/>
+          </p:nvPr>
+        </p:nvSpPr>
+        <p:spPr/>
+        <p:txBody>
+          <a:bodyPr/>
+          <a:lstStyle/>
+          <a:p>
+            <a:fld id="{00000000-1234-1234-1234-123412341234}" type="slidenum">
+              <a:rPr lang="en" smtClean="0"/>
+              <a:pPr/>
+              <a:t>10</a:t>
+            </a:fld>
+            <a:endParaRPr lang="en"/>
+          </a:p>
+        </p:txBody>
+      </p:sp>
+      <p:sp>
+        <p:nvSpPr>
+          <p:cNvPr id="3" name="Google Shape;346;p17">
+            <a:extLst>
+              <a:ext uri="{FF2B5EF4-FFF2-40B4-BE49-F238E27FC236}">
+                <a16:creationId xmlns:a16="http://schemas.microsoft.com/office/drawing/2014/main" id="{17F7A4FB-074C-499D-94CA-47FB76DEDA4A}"/>
+              </a:ext>
+            </a:extLst>
+          </p:cNvPr>
+          <p:cNvSpPr txBox="1">
+            <a:spLocks/>
+          </p:cNvSpPr>
+          <p:nvPr/>
+        </p:nvSpPr>
+        <p:spPr>
+          <a:xfrm>
+            <a:off x="622384" y="1731155"/>
+            <a:ext cx="5693400" cy="2199375"/>
+          </a:xfrm>
+          <a:prstGeom prst="rect">
+            <a:avLst/>
+          </a:prstGeom>
+        </p:spPr>
+        <p:txBody>
+          <a:bodyPr spcFirstLastPara="1" wrap="square" lIns="0" tIns="0" rIns="0" bIns="0" anchor="t" anchorCtr="0">
+            <a:noAutofit/>
+          </a:bodyPr>
+          <a:lstStyle>
+            <a:defPPr marR="0" lvl="0" algn="l" rtl="0">
+              <a:lnSpc>
+                <a:spcPct val="100000"/>
+              </a:lnSpc>
+              <a:spcBef>
+                <a:spcPts val="0"/>
+              </a:spcBef>
+              <a:spcAft>
+                <a:spcPts val="0"/>
+              </a:spcAft>
+            </a:defPPr>
+            <a:lvl1pPr marR="0" lvl="0" algn="l" rtl="0">
+              <a:lnSpc>
+                <a:spcPct val="100000"/>
+              </a:lnSpc>
+              <a:spcBef>
+                <a:spcPts val="0"/>
+              </a:spcBef>
+              <a:spcAft>
+                <a:spcPts val="0"/>
+              </a:spcAft>
+              <a:buClr>
+                <a:srgbClr val="000000"/>
+              </a:buClr>
+              <a:buFont typeface="Arial"/>
+              <a:defRPr sz="1400" b="0" i="0" u="none" strike="noStrike" cap="none">
+                <a:solidFill>
+                  <a:srgbClr val="000000"/>
+                </a:solidFill>
+                <a:latin typeface="Arial"/>
+                <a:ea typeface="Arial"/>
+                <a:cs typeface="Arial"/>
+                <a:sym typeface="Arial"/>
+              </a:defRPr>
+            </a:lvl1pPr>
+            <a:lvl2pPr marR="0" lvl="1" algn="l" rtl="0">
+              <a:lnSpc>
+                <a:spcPct val="100000"/>
+              </a:lnSpc>
+              <a:spcBef>
+                <a:spcPts val="0"/>
+              </a:spcBef>
+              <a:spcAft>
+                <a:spcPts val="0"/>
+              </a:spcAft>
+              <a:buClr>
+                <a:srgbClr val="000000"/>
+              </a:buClr>
+              <a:buFont typeface="Arial"/>
+              <a:defRPr sz="1400" b="0" i="0" u="none" strike="noStrike" cap="none">
+                <a:solidFill>
+                  <a:srgbClr val="000000"/>
+                </a:solidFill>
+                <a:latin typeface="Arial"/>
+                <a:ea typeface="Arial"/>
+                <a:cs typeface="Arial"/>
+                <a:sym typeface="Arial"/>
+              </a:defRPr>
+            </a:lvl2pPr>
+            <a:lvl3pPr marR="0" lvl="2" algn="l" rtl="0">
+              <a:lnSpc>
+                <a:spcPct val="100000"/>
+              </a:lnSpc>
+              <a:spcBef>
+                <a:spcPts val="0"/>
+              </a:spcBef>
+              <a:spcAft>
+                <a:spcPts val="0"/>
+              </a:spcAft>
+              <a:buClr>
+                <a:srgbClr val="000000"/>
+              </a:buClr>
+              <a:buFont typeface="Arial"/>
+              <a:defRPr sz="1400" b="0" i="0" u="none" strike="noStrike" cap="none">
+                <a:solidFill>
+                  <a:srgbClr val="000000"/>
+                </a:solidFill>
+                <a:latin typeface="Arial"/>
+                <a:ea typeface="Arial"/>
+                <a:cs typeface="Arial"/>
+                <a:sym typeface="Arial"/>
+              </a:defRPr>
+            </a:lvl3pPr>
+            <a:lvl4pPr marR="0" lvl="3" algn="l" rtl="0">
+              <a:lnSpc>
+                <a:spcPct val="100000"/>
+              </a:lnSpc>
+              <a:spcBef>
+                <a:spcPts val="0"/>
+              </a:spcBef>
+              <a:spcAft>
+                <a:spcPts val="0"/>
+              </a:spcAft>
+              <a:buClr>
+                <a:srgbClr val="000000"/>
+              </a:buClr>
+              <a:buFont typeface="Arial"/>
+              <a:defRPr sz="1400" b="0" i="0" u="none" strike="noStrike" cap="none">
+                <a:solidFill>
+                  <a:srgbClr val="000000"/>
+                </a:solidFill>
+                <a:latin typeface="Arial"/>
+                <a:ea typeface="Arial"/>
+                <a:cs typeface="Arial"/>
+                <a:sym typeface="Arial"/>
+              </a:defRPr>
+            </a:lvl4pPr>
+            <a:lvl5pPr marR="0" lvl="4" algn="l" rtl="0">
+              <a:lnSpc>
+                <a:spcPct val="100000"/>
+              </a:lnSpc>
+              <a:spcBef>
+                <a:spcPts val="0"/>
+              </a:spcBef>
+              <a:spcAft>
+                <a:spcPts val="0"/>
+              </a:spcAft>
+              <a:buClr>
+                <a:srgbClr val="000000"/>
+              </a:buClr>
+              <a:buFont typeface="Arial"/>
+              <a:defRPr sz="1400" b="0" i="0" u="none" strike="noStrike" cap="none">
+                <a:solidFill>
+                  <a:srgbClr val="000000"/>
+                </a:solidFill>
+                <a:latin typeface="Arial"/>
+                <a:ea typeface="Arial"/>
+                <a:cs typeface="Arial"/>
+                <a:sym typeface="Arial"/>
+              </a:defRPr>
+            </a:lvl5pPr>
+            <a:lvl6pPr marR="0" lvl="5" algn="l" rtl="0">
+              <a:lnSpc>
+                <a:spcPct val="100000"/>
+              </a:lnSpc>
+              <a:spcBef>
+                <a:spcPts val="0"/>
+              </a:spcBef>
+              <a:spcAft>
+                <a:spcPts val="0"/>
+              </a:spcAft>
+              <a:buClr>
+                <a:srgbClr val="000000"/>
+              </a:buClr>
+              <a:buFont typeface="Arial"/>
+              <a:defRPr sz="1400" b="0" i="0" u="none" strike="noStrike" cap="none">
+                <a:solidFill>
+                  <a:srgbClr val="000000"/>
+                </a:solidFill>
+                <a:latin typeface="Arial"/>
+                <a:ea typeface="Arial"/>
+                <a:cs typeface="Arial"/>
+                <a:sym typeface="Arial"/>
+              </a:defRPr>
+            </a:lvl6pPr>
+            <a:lvl7pPr marR="0" lvl="6" algn="l" rtl="0">
+              <a:lnSpc>
+                <a:spcPct val="100000"/>
+              </a:lnSpc>
+              <a:spcBef>
+                <a:spcPts val="0"/>
+              </a:spcBef>
+              <a:spcAft>
+                <a:spcPts val="0"/>
+              </a:spcAft>
+              <a:buClr>
+                <a:srgbClr val="000000"/>
+              </a:buClr>
+              <a:buFont typeface="Arial"/>
+              <a:defRPr sz="1400" b="0" i="0" u="none" strike="noStrike" cap="none">
+                <a:solidFill>
+                  <a:srgbClr val="000000"/>
+                </a:solidFill>
+                <a:latin typeface="Arial"/>
+                <a:ea typeface="Arial"/>
+                <a:cs typeface="Arial"/>
+                <a:sym typeface="Arial"/>
+              </a:defRPr>
+            </a:lvl7pPr>
+            <a:lvl8pPr marR="0" lvl="7" algn="l" rtl="0">
+              <a:lnSpc>
+                <a:spcPct val="100000"/>
+              </a:lnSpc>
+              <a:spcBef>
+                <a:spcPts val="0"/>
+              </a:spcBef>
+              <a:spcAft>
+                <a:spcPts val="0"/>
+              </a:spcAft>
+              <a:buClr>
+                <a:srgbClr val="000000"/>
+              </a:buClr>
+              <a:buFont typeface="Arial"/>
+              <a:defRPr sz="1400" b="0" i="0" u="none" strike="noStrike" cap="none">
+                <a:solidFill>
+                  <a:srgbClr val="000000"/>
+                </a:solidFill>
+                <a:latin typeface="Arial"/>
+                <a:ea typeface="Arial"/>
+                <a:cs typeface="Arial"/>
+                <a:sym typeface="Arial"/>
+              </a:defRPr>
+            </a:lvl8pPr>
+            <a:lvl9pPr marR="0" lvl="8" algn="l" rtl="0">
+              <a:lnSpc>
+                <a:spcPct val="100000"/>
+              </a:lnSpc>
+              <a:spcBef>
+                <a:spcPts val="0"/>
+              </a:spcBef>
+              <a:spcAft>
+                <a:spcPts val="0"/>
+              </a:spcAft>
+              <a:buClr>
+                <a:srgbClr val="000000"/>
+              </a:buClr>
+              <a:buFont typeface="Arial"/>
+              <a:defRPr sz="1400" b="0" i="0" u="none" strike="noStrike" cap="none">
+                <a:solidFill>
+                  <a:srgbClr val="000000"/>
+                </a:solidFill>
+                <a:latin typeface="Arial"/>
+                <a:ea typeface="Arial"/>
+                <a:cs typeface="Arial"/>
+                <a:sym typeface="Arial"/>
+              </a:defRPr>
+            </a:lvl9pPr>
+          </a:lstStyle>
+          <a:p>
+            <a:pPr marL="342900" indent="-266700">
+              <a:buSzPts val="2000"/>
+              <a:buFont typeface="Arial"/>
+              <a:buChar char="❑"/>
+            </a:pPr>
+            <a:r>
+              <a:rPr lang="en-US" sz="1050" dirty="0"/>
+              <a:t>Here you have a list of items</a:t>
+            </a:r>
+          </a:p>
+          <a:p>
+            <a:pPr marL="342900" indent="-266700">
+              <a:spcBef>
+                <a:spcPts val="750"/>
+              </a:spcBef>
+              <a:buSzPts val="2000"/>
+              <a:buFont typeface="Arial"/>
+              <a:buChar char="❑"/>
+            </a:pPr>
+            <a:r>
+              <a:rPr lang="en-US" sz="1050" dirty="0"/>
+              <a:t>And some text</a:t>
+            </a:r>
+          </a:p>
+          <a:p>
+            <a:pPr marL="342900" indent="-266700">
+              <a:spcBef>
+                <a:spcPts val="750"/>
+              </a:spcBef>
+              <a:buSzPts val="2000"/>
+              <a:buFont typeface="Arial"/>
+              <a:buChar char="❑"/>
+            </a:pPr>
+            <a:r>
+              <a:rPr lang="en-US" sz="1050" dirty="0"/>
+              <a:t>But remember not to overload your slides with content</a:t>
+            </a:r>
+          </a:p>
+        </p:txBody>
+      </p:sp>
+      <p:sp>
+        <p:nvSpPr>
+          <p:cNvPr id="6" name="Google Shape;373;p19">
+            <a:extLst>
+              <a:ext uri="{FF2B5EF4-FFF2-40B4-BE49-F238E27FC236}">
+                <a16:creationId xmlns:a16="http://schemas.microsoft.com/office/drawing/2014/main" id="{B7BBBF35-9BA5-4E61-9870-FE9F0E35D65D}"/>
+              </a:ext>
+            </a:extLst>
+          </p:cNvPr>
+          <p:cNvSpPr txBox="1">
+            <a:spLocks/>
+          </p:cNvSpPr>
+          <p:nvPr/>
+        </p:nvSpPr>
+        <p:spPr>
+          <a:xfrm>
+            <a:off x="582338" y="944963"/>
+            <a:ext cx="2690550" cy="642600"/>
+          </a:xfrm>
+          <a:prstGeom prst="rect">
+            <a:avLst/>
+          </a:prstGeom>
+        </p:spPr>
+        <p:txBody>
+          <a:bodyPr spcFirstLastPara="1" wrap="square" lIns="0" tIns="0" rIns="0" bIns="0" anchor="b" anchorCtr="0">
+            <a:noAutofit/>
+          </a:bodyPr>
+          <a:lstStyle>
+            <a:defPPr marR="0" lvl="0" algn="l" rtl="0">
+              <a:lnSpc>
+                <a:spcPct val="100000"/>
+              </a:lnSpc>
+              <a:spcBef>
+                <a:spcPts val="0"/>
+              </a:spcBef>
+              <a:spcAft>
+                <a:spcPts val="0"/>
+              </a:spcAft>
+            </a:defPPr>
+            <a:lvl1pPr marR="0" lvl="0" algn="l" rtl="0">
+              <a:lnSpc>
+                <a:spcPct val="100000"/>
+              </a:lnSpc>
+              <a:spcBef>
+                <a:spcPts val="0"/>
+              </a:spcBef>
+              <a:spcAft>
+                <a:spcPts val="0"/>
+              </a:spcAft>
+              <a:buClr>
+                <a:srgbClr val="000000"/>
+              </a:buClr>
+              <a:buFont typeface="Arial"/>
+              <a:defRPr sz="1400" b="0" i="0" u="none" strike="noStrike" cap="none">
+                <a:solidFill>
+                  <a:srgbClr val="000000"/>
+                </a:solidFill>
+                <a:latin typeface="Arial"/>
+                <a:ea typeface="Arial"/>
+                <a:cs typeface="Arial"/>
+                <a:sym typeface="Arial"/>
+              </a:defRPr>
+            </a:lvl1pPr>
+            <a:lvl2pPr marR="0" lvl="1" algn="l" rtl="0">
+              <a:lnSpc>
+                <a:spcPct val="100000"/>
+              </a:lnSpc>
+              <a:spcBef>
+                <a:spcPts val="0"/>
+              </a:spcBef>
+              <a:spcAft>
+                <a:spcPts val="0"/>
+              </a:spcAft>
+              <a:buClr>
+                <a:srgbClr val="000000"/>
+              </a:buClr>
+              <a:buFont typeface="Arial"/>
+              <a:defRPr sz="1400" b="0" i="0" u="none" strike="noStrike" cap="none">
+                <a:solidFill>
+                  <a:srgbClr val="000000"/>
+                </a:solidFill>
+                <a:latin typeface="Arial"/>
+                <a:ea typeface="Arial"/>
+                <a:cs typeface="Arial"/>
+                <a:sym typeface="Arial"/>
+              </a:defRPr>
+            </a:lvl2pPr>
+            <a:lvl3pPr marR="0" lvl="2" algn="l" rtl="0">
+              <a:lnSpc>
+                <a:spcPct val="100000"/>
+              </a:lnSpc>
+              <a:spcBef>
+                <a:spcPts val="0"/>
+              </a:spcBef>
+              <a:spcAft>
+                <a:spcPts val="0"/>
+              </a:spcAft>
+              <a:buClr>
+                <a:srgbClr val="000000"/>
+              </a:buClr>
+              <a:buFont typeface="Arial"/>
+              <a:defRPr sz="1400" b="0" i="0" u="none" strike="noStrike" cap="none">
+                <a:solidFill>
+                  <a:srgbClr val="000000"/>
+                </a:solidFill>
+                <a:latin typeface="Arial"/>
+                <a:ea typeface="Arial"/>
+                <a:cs typeface="Arial"/>
+                <a:sym typeface="Arial"/>
+              </a:defRPr>
+            </a:lvl3pPr>
+            <a:lvl4pPr marR="0" lvl="3" algn="l" rtl="0">
+              <a:lnSpc>
+                <a:spcPct val="100000"/>
+              </a:lnSpc>
+              <a:spcBef>
+                <a:spcPts val="0"/>
+              </a:spcBef>
+              <a:spcAft>
+                <a:spcPts val="0"/>
+              </a:spcAft>
+              <a:buClr>
+                <a:srgbClr val="000000"/>
+              </a:buClr>
+              <a:buFont typeface="Arial"/>
+              <a:defRPr sz="1400" b="0" i="0" u="none" strike="noStrike" cap="none">
+                <a:solidFill>
+                  <a:srgbClr val="000000"/>
+                </a:solidFill>
+                <a:latin typeface="Arial"/>
+                <a:ea typeface="Arial"/>
+                <a:cs typeface="Arial"/>
+                <a:sym typeface="Arial"/>
+              </a:defRPr>
+            </a:lvl4pPr>
+            <a:lvl5pPr marR="0" lvl="4" algn="l" rtl="0">
+              <a:lnSpc>
+                <a:spcPct val="100000"/>
+              </a:lnSpc>
+              <a:spcBef>
+                <a:spcPts val="0"/>
+              </a:spcBef>
+              <a:spcAft>
+                <a:spcPts val="0"/>
+              </a:spcAft>
+              <a:buClr>
+                <a:srgbClr val="000000"/>
+              </a:buClr>
+              <a:buFont typeface="Arial"/>
+              <a:defRPr sz="1400" b="0" i="0" u="none" strike="noStrike" cap="none">
+                <a:solidFill>
+                  <a:srgbClr val="000000"/>
+                </a:solidFill>
+                <a:latin typeface="Arial"/>
+                <a:ea typeface="Arial"/>
+                <a:cs typeface="Arial"/>
+                <a:sym typeface="Arial"/>
+              </a:defRPr>
+            </a:lvl5pPr>
+            <a:lvl6pPr marR="0" lvl="5" algn="l" rtl="0">
+              <a:lnSpc>
+                <a:spcPct val="100000"/>
+              </a:lnSpc>
+              <a:spcBef>
+                <a:spcPts val="0"/>
+              </a:spcBef>
+              <a:spcAft>
+                <a:spcPts val="0"/>
+              </a:spcAft>
+              <a:buClr>
+                <a:srgbClr val="000000"/>
+              </a:buClr>
+              <a:buFont typeface="Arial"/>
+              <a:defRPr sz="1400" b="0" i="0" u="none" strike="noStrike" cap="none">
+                <a:solidFill>
+                  <a:srgbClr val="000000"/>
+                </a:solidFill>
+                <a:latin typeface="Arial"/>
+                <a:ea typeface="Arial"/>
+                <a:cs typeface="Arial"/>
+                <a:sym typeface="Arial"/>
+              </a:defRPr>
+            </a:lvl6pPr>
+            <a:lvl7pPr marR="0" lvl="6" algn="l" rtl="0">
+              <a:lnSpc>
+                <a:spcPct val="100000"/>
+              </a:lnSpc>
+              <a:spcBef>
+                <a:spcPts val="0"/>
+              </a:spcBef>
+              <a:spcAft>
+                <a:spcPts val="0"/>
+              </a:spcAft>
+              <a:buClr>
+                <a:srgbClr val="000000"/>
+              </a:buClr>
+              <a:buFont typeface="Arial"/>
+              <a:defRPr sz="1400" b="0" i="0" u="none" strike="noStrike" cap="none">
+                <a:solidFill>
+                  <a:srgbClr val="000000"/>
+                </a:solidFill>
+                <a:latin typeface="Arial"/>
+                <a:ea typeface="Arial"/>
+                <a:cs typeface="Arial"/>
+                <a:sym typeface="Arial"/>
+              </a:defRPr>
+            </a:lvl7pPr>
+            <a:lvl8pPr marR="0" lvl="7" algn="l" rtl="0">
+              <a:lnSpc>
+                <a:spcPct val="100000"/>
+              </a:lnSpc>
+              <a:spcBef>
+                <a:spcPts val="0"/>
+              </a:spcBef>
+              <a:spcAft>
+                <a:spcPts val="0"/>
+              </a:spcAft>
+              <a:buClr>
+                <a:srgbClr val="000000"/>
+              </a:buClr>
+              <a:buFont typeface="Arial"/>
+              <a:defRPr sz="1400" b="0" i="0" u="none" strike="noStrike" cap="none">
+                <a:solidFill>
+                  <a:srgbClr val="000000"/>
+                </a:solidFill>
+                <a:latin typeface="Arial"/>
+                <a:ea typeface="Arial"/>
+                <a:cs typeface="Arial"/>
+                <a:sym typeface="Arial"/>
+              </a:defRPr>
+            </a:lvl8pPr>
+            <a:lvl9pPr marR="0" lvl="8" algn="l" rtl="0">
+              <a:lnSpc>
+                <a:spcPct val="100000"/>
+              </a:lnSpc>
+              <a:spcBef>
+                <a:spcPts val="0"/>
+              </a:spcBef>
+              <a:spcAft>
+                <a:spcPts val="0"/>
+              </a:spcAft>
+              <a:buClr>
+                <a:srgbClr val="000000"/>
+              </a:buClr>
+              <a:buFont typeface="Arial"/>
+              <a:defRPr sz="1400" b="0" i="0" u="none" strike="noStrike" cap="none">
+                <a:solidFill>
+                  <a:srgbClr val="000000"/>
+                </a:solidFill>
+                <a:latin typeface="Arial"/>
+                <a:ea typeface="Arial"/>
+                <a:cs typeface="Arial"/>
+                <a:sym typeface="Arial"/>
+              </a:defRPr>
+            </a:lvl9pPr>
+          </a:lstStyle>
+          <a:p>
+            <a:r>
+              <a:rPr lang="en-US" sz="1800" b="1" dirty="0"/>
+              <a:t>References</a:t>
+            </a:r>
+            <a:endParaRPr lang="en-US" sz="1050" b="1" dirty="0"/>
+          </a:p>
+        </p:txBody>
+      </p:sp>
+    </p:spTree>
+    <p:extLst>
+      <p:ext uri="{BB962C8B-B14F-4D97-AF65-F5344CB8AC3E}">
+        <p14:creationId xmlns:p14="http://schemas.microsoft.com/office/powerpoint/2010/main" val="1231014416"/>
+      </p:ext>
+    </p:extLst>
   </p:cSld>
   <p:clrMapOvr>
     <a:masterClrMapping/>
@@ -5499,8 +6240,8 @@
         </p:nvSpPr>
         <p:spPr>
           <a:xfrm>
-            <a:off x="776450" y="402700"/>
-            <a:ext cx="3587400" cy="856800"/>
+            <a:off x="582338" y="944963"/>
+            <a:ext cx="2690550" cy="642600"/>
           </a:xfrm>
           <a:prstGeom prst="rect">
             <a:avLst/>
@@ -5512,15 +6253,6 @@
           </a:bodyPr>
           <a:lstStyle/>
           <a:p>
-            <a:pPr marL="0" lvl="0" indent="0" algn="l" rtl="0">
-              <a:spcBef>
-                <a:spcPts val="0"/>
-              </a:spcBef>
-              <a:spcAft>
-                <a:spcPts val="0"/>
-              </a:spcAft>
-              <a:buNone/>
-            </a:pPr>
             <a:r>
               <a:rPr lang="en-US" dirty="0"/>
               <a:t>Project Description</a:t>
@@ -5541,8 +6273,8 @@
         </p:nvSpPr>
         <p:spPr>
           <a:xfrm>
-            <a:off x="776450" y="1524375"/>
-            <a:ext cx="3587400" cy="3077100"/>
+            <a:off x="589004" y="1786219"/>
+            <a:ext cx="2690550" cy="2307825"/>
           </a:xfrm>
           <a:prstGeom prst="rect">
             <a:avLst/>
@@ -5554,24 +6286,83 @@
           </a:bodyPr>
           <a:lstStyle/>
           <a:p>
-            <a:pPr marL="0" lvl="0" indent="0" algn="l" rtl="0">
-              <a:spcBef>
-                <a:spcPts val="600"/>
-              </a:spcBef>
-              <a:spcAft>
-                <a:spcPts val="0"/>
-              </a:spcAft>
+            <a:pPr marL="128588" indent="-128588">
               <a:buClr>
                 <a:schemeClr val="dk1"/>
               </a:buClr>
               <a:buSzPts val="1100"/>
-              <a:buFont typeface="Arial"/>
+              <a:buFontTx/>
+              <a:buChar char="-"/>
+            </a:pPr>
+            <a:r>
+              <a:rPr lang="en-US" sz="900" b="1" dirty="0"/>
+              <a:t>Goal was to recreate Splix.io</a:t>
+            </a:r>
+          </a:p>
+          <a:p>
+            <a:pPr marL="128588" indent="-128588">
+              <a:buClr>
+                <a:schemeClr val="dk1"/>
+              </a:buClr>
+              <a:buSzPts val="1100"/>
+              <a:buFontTx/>
+              <a:buChar char="-"/>
+            </a:pPr>
+            <a:r>
+              <a:rPr lang="en-US" sz="900" b="1" dirty="0"/>
+              <a:t>Multiplayer game </a:t>
+            </a:r>
+          </a:p>
+          <a:p>
+            <a:pPr marL="128588" indent="-128588">
+              <a:buClr>
+                <a:schemeClr val="dk1"/>
+              </a:buClr>
+              <a:buSzPts val="1100"/>
+              <a:buFontTx/>
+              <a:buChar char="-"/>
+            </a:pPr>
+            <a:r>
+              <a:rPr lang="en-US" sz="900" b="1" dirty="0"/>
+              <a:t>Players capture area on the board</a:t>
+            </a:r>
+          </a:p>
+          <a:p>
+            <a:pPr marL="128588" indent="-128588">
+              <a:buClr>
+                <a:schemeClr val="dk1"/>
+              </a:buClr>
+              <a:buSzPts val="1100"/>
+              <a:buFontTx/>
+              <a:buChar char="-"/>
+            </a:pPr>
+            <a:r>
+              <a:rPr lang="en-US" sz="900" b="1" dirty="0"/>
+              <a:t>Players lose if they hit the edge of the board or run into one another</a:t>
+            </a:r>
+          </a:p>
+          <a:p>
+            <a:pPr marL="128588" indent="-128588">
+              <a:buClr>
+                <a:schemeClr val="dk1"/>
+              </a:buClr>
+              <a:buSzPts val="1100"/>
+              <a:buFontTx/>
+              <a:buChar char="-"/>
+            </a:pPr>
+            <a:r>
+              <a:rPr lang="en-US" sz="900" b="1" dirty="0"/>
+              <a:t>Capture territory by running over grid points</a:t>
+            </a:r>
+          </a:p>
+          <a:p>
+            <a:pPr marL="0" indent="0">
+              <a:buClr>
+                <a:schemeClr val="dk1"/>
+              </a:buClr>
+              <a:buSzPts val="1100"/>
               <a:buNone/>
             </a:pPr>
-            <a:r>
-              <a:rPr lang="en-US" sz="1200" b="1" dirty="0"/>
-              <a:t>Explain project idea</a:t>
-            </a:r>
             <a:endParaRPr dirty="0"/>
           </a:p>
         </p:txBody>
@@ -5588,8 +6379,8 @@
         </p:nvSpPr>
         <p:spPr>
           <a:xfrm>
-            <a:off x="8729400" y="4734075"/>
-            <a:ext cx="414600" cy="409500"/>
+            <a:off x="6547050" y="4193494"/>
+            <a:ext cx="310950" cy="307125"/>
           </a:xfrm>
           <a:prstGeom prst="rect">
             <a:avLst/>
@@ -5601,17 +6392,9 @@
           </a:bodyPr>
           <a:lstStyle/>
           <a:p>
-            <a:pPr marL="0" lvl="0" indent="0" algn="ctr" rtl="0">
-              <a:spcBef>
-                <a:spcPts val="0"/>
-              </a:spcBef>
-              <a:spcAft>
-                <a:spcPts val="0"/>
-              </a:spcAft>
-              <a:buNone/>
-            </a:pPr>
             <a:fld id="{00000000-1234-1234-1234-123412341234}" type="slidenum">
               <a:rPr lang="en"/>
+              <a:pPr/>
               <a:t>2</a:t>
             </a:fld>
             <a:endParaRPr/>
@@ -5640,8 +6423,8 @@
         </p:blipFill>
         <p:spPr>
           <a:xfrm>
-            <a:off x="5027809" y="2110425"/>
-            <a:ext cx="1905000" cy="1905000"/>
+            <a:off x="3770857" y="2225756"/>
+            <a:ext cx="1428750" cy="1428750"/>
           </a:xfrm>
           <a:prstGeom prst="rect">
             <a:avLst/>
@@ -5685,8 +6468,8 @@
         </p:nvSpPr>
         <p:spPr>
           <a:xfrm>
-            <a:off x="776450" y="402700"/>
-            <a:ext cx="3587400" cy="856800"/>
+            <a:off x="582338" y="944963"/>
+            <a:ext cx="2690550" cy="642600"/>
           </a:xfrm>
           <a:prstGeom prst="rect">
             <a:avLst/>
@@ -5698,15 +6481,6 @@
           </a:bodyPr>
           <a:lstStyle/>
           <a:p>
-            <a:pPr marL="0" lvl="0" indent="0" algn="l" rtl="0">
-              <a:spcBef>
-                <a:spcPts val="0"/>
-              </a:spcBef>
-              <a:spcAft>
-                <a:spcPts val="0"/>
-              </a:spcAft>
-              <a:buNone/>
-            </a:pPr>
             <a:r>
               <a:rPr lang="en-US" dirty="0"/>
               <a:t>What were our main challenges</a:t>
@@ -5727,8 +6501,8 @@
         </p:nvSpPr>
         <p:spPr>
           <a:xfrm>
-            <a:off x="8729400" y="4734075"/>
-            <a:ext cx="414600" cy="409500"/>
+            <a:off x="6547050" y="4193494"/>
+            <a:ext cx="310950" cy="307125"/>
           </a:xfrm>
           <a:prstGeom prst="rect">
             <a:avLst/>
@@ -5740,17 +6514,9 @@
           </a:bodyPr>
           <a:lstStyle/>
           <a:p>
-            <a:pPr marL="0" lvl="0" indent="0" algn="ctr" rtl="0">
-              <a:spcBef>
-                <a:spcPts val="0"/>
-              </a:spcBef>
-              <a:spcAft>
-                <a:spcPts val="0"/>
-              </a:spcAft>
-              <a:buNone/>
-            </a:pPr>
             <a:fld id="{00000000-1234-1234-1234-123412341234}" type="slidenum">
               <a:rPr lang="en"/>
+              <a:pPr/>
               <a:t>3</a:t>
             </a:fld>
             <a:endParaRPr/>
@@ -5775,8 +6541,8 @@
         </p:nvSpPr>
         <p:spPr>
           <a:xfrm>
-            <a:off x="776450" y="1524375"/>
-            <a:ext cx="7591200" cy="2932500"/>
+            <a:off x="582338" y="1786219"/>
+            <a:ext cx="5693400" cy="2199375"/>
           </a:xfrm>
           <a:prstGeom prst="rect">
             <a:avLst/>
@@ -5788,70 +6554,63 @@
           </a:bodyPr>
           <a:lstStyle/>
           <a:p>
-            <a:pPr marL="457200" lvl="0" indent="-355600" algn="l" rtl="0">
-              <a:spcBef>
-                <a:spcPts val="0"/>
-              </a:spcBef>
-              <a:spcAft>
-                <a:spcPts val="0"/>
-              </a:spcAft>
-              <a:buSzPts val="2000"/>
-              <a:buChar char="❑"/>
+            <a:pPr marL="257175" indent="-257175">
+              <a:spcBef>
+                <a:spcPts val="750"/>
+              </a:spcBef>
+              <a:spcAft>
+                <a:spcPts val="750"/>
+              </a:spcAft>
+              <a:buFontTx/>
+              <a:buChar char="-"/>
             </a:pPr>
             <a:r>
-              <a:rPr lang="en" dirty="0"/>
-              <a:t>Here you have a list of items</a:t>
+              <a:rPr lang="en-US" dirty="0"/>
+              <a:t>Getting assembler to work with C++ networking code</a:t>
             </a:r>
-            <a:endParaRPr dirty="0"/>
           </a:p>
           <a:p>
-            <a:pPr marL="457200" lvl="0" indent="-355600" algn="l" rtl="0">
-              <a:spcBef>
-                <a:spcPts val="1000"/>
-              </a:spcBef>
-              <a:spcAft>
-                <a:spcPts val="0"/>
-              </a:spcAft>
-              <a:buSzPts val="2000"/>
-              <a:buChar char="❑"/>
+            <a:pPr marL="257175" indent="-257175">
+              <a:spcBef>
+                <a:spcPts val="750"/>
+              </a:spcBef>
+              <a:spcAft>
+                <a:spcPts val="750"/>
+              </a:spcAft>
+              <a:buFontTx/>
+              <a:buChar char="-"/>
             </a:pPr>
             <a:r>
-              <a:rPr lang="en" dirty="0"/>
-              <a:t>And some text</a:t>
+              <a:rPr lang="en-US" dirty="0"/>
+              <a:t>Properly tracking all the players and their path/territory</a:t>
             </a:r>
-            <a:endParaRPr dirty="0"/>
           </a:p>
           <a:p>
-            <a:pPr marL="457200" lvl="0" indent="-355600" algn="l" rtl="0">
-              <a:spcBef>
-                <a:spcPts val="1000"/>
-              </a:spcBef>
-              <a:spcAft>
-                <a:spcPts val="0"/>
-              </a:spcAft>
-              <a:buSzPts val="2000"/>
-              <a:buChar char="❑"/>
+            <a:pPr marL="257175" indent="-257175">
+              <a:spcBef>
+                <a:spcPts val="750"/>
+              </a:spcBef>
+              <a:spcAft>
+                <a:spcPts val="750"/>
+              </a:spcAft>
+              <a:buFontTx/>
+              <a:buChar char="-"/>
             </a:pPr>
             <a:r>
-              <a:rPr lang="en" dirty="0"/>
-              <a:t>But remember not to overload your slides with content</a:t>
+              <a:rPr lang="en-US" dirty="0"/>
+              <a:t>Could only access local variables from C++ in inline assembler</a:t>
             </a:r>
-            <a:endParaRPr dirty="0"/>
           </a:p>
           <a:p>
-            <a:pPr marL="0" lvl="0" indent="0" algn="l" rtl="0">
-              <a:spcBef>
-                <a:spcPts val="1000"/>
-              </a:spcBef>
-              <a:spcAft>
-                <a:spcPts val="1000"/>
+            <a:pPr marL="0" indent="0">
+              <a:spcBef>
+                <a:spcPts val="750"/>
+              </a:spcBef>
+              <a:spcAft>
+                <a:spcPts val="750"/>
               </a:spcAft>
               <a:buNone/>
             </a:pPr>
-            <a:r>
-              <a:rPr lang="en" dirty="0"/>
-              <a:t>Your audience will listen to you or read the content, but won’t do both. </a:t>
-            </a:r>
             <a:endParaRPr dirty="0"/>
           </a:p>
         </p:txBody>
@@ -5870,6 +6629,607 @@
 </file>
 
 <file path=ppt/slides/slide4.xml><?xml version="1.0" encoding="utf-8"?>
+<p:sld xmlns:a="http://schemas.openxmlformats.org/drawingml/2006/main" xmlns:r="http://schemas.openxmlformats.org/officeDocument/2006/relationships" xmlns:p="http://schemas.openxmlformats.org/presentationml/2006/main">
+  <p:cSld>
+    <p:spTree>
+      <p:nvGrpSpPr>
+        <p:cNvPr id="1" name=""/>
+        <p:cNvGrpSpPr/>
+        <p:nvPr/>
+      </p:nvGrpSpPr>
+      <p:grpSpPr>
+        <a:xfrm>
+          <a:off x="0" y="0"/>
+          <a:ext cx="0" cy="0"/>
+          <a:chOff x="0" y="0"/>
+          <a:chExt cx="0" cy="0"/>
+        </a:xfrm>
+      </p:grpSpPr>
+      <p:sp>
+        <p:nvSpPr>
+          <p:cNvPr id="2" name="Title 1">
+            <a:extLst>
+              <a:ext uri="{FF2B5EF4-FFF2-40B4-BE49-F238E27FC236}">
+                <a16:creationId xmlns:a16="http://schemas.microsoft.com/office/drawing/2014/main" id="{5882F5F0-E3F1-4D5A-AD2B-10BBEA0EC5FB}"/>
+              </a:ext>
+            </a:extLst>
+          </p:cNvPr>
+          <p:cNvSpPr>
+            <a:spLocks noGrp="1"/>
+          </p:cNvSpPr>
+          <p:nvPr>
+            <p:ph type="title"/>
+          </p:nvPr>
+        </p:nvSpPr>
+        <p:spPr>
+          <a:xfrm>
+            <a:off x="340397" y="402700"/>
+            <a:ext cx="2932491" cy="856800"/>
+          </a:xfrm>
+        </p:spPr>
+        <p:txBody>
+          <a:bodyPr/>
+          <a:lstStyle/>
+          <a:p>
+            <a:r>
+              <a:rPr lang="en-US" sz="2800" dirty="0"/>
+              <a:t>Coordinate System</a:t>
+            </a:r>
+          </a:p>
+        </p:txBody>
+      </p:sp>
+      <p:sp>
+        <p:nvSpPr>
+          <p:cNvPr id="3" name="Text Placeholder 2">
+            <a:extLst>
+              <a:ext uri="{FF2B5EF4-FFF2-40B4-BE49-F238E27FC236}">
+                <a16:creationId xmlns:a16="http://schemas.microsoft.com/office/drawing/2014/main" id="{017C6FE1-3504-4427-8BC5-10294587000A}"/>
+              </a:ext>
+            </a:extLst>
+          </p:cNvPr>
+          <p:cNvSpPr>
+            <a:spLocks noGrp="1"/>
+          </p:cNvSpPr>
+          <p:nvPr>
+            <p:ph type="body" idx="1"/>
+          </p:nvPr>
+        </p:nvSpPr>
+        <p:spPr>
+          <a:xfrm>
+            <a:off x="388779" y="1314867"/>
+            <a:ext cx="2774912" cy="3253235"/>
+          </a:xfrm>
+        </p:spPr>
+        <p:txBody>
+          <a:bodyPr/>
+          <a:lstStyle/>
+          <a:p>
+            <a:r>
+              <a:rPr lang="en-US" sz="2400" dirty="0"/>
+              <a:t>X increments </a:t>
+            </a:r>
+            <a:r>
+              <a:rPr lang="en-US" sz="2400" b="1" dirty="0"/>
+              <a:t>right</a:t>
+            </a:r>
+          </a:p>
+          <a:p>
+            <a:r>
+              <a:rPr lang="en-US" sz="2400" dirty="0"/>
+              <a:t>Y increments </a:t>
+            </a:r>
+            <a:r>
+              <a:rPr lang="en-US" sz="2400" b="1" dirty="0"/>
+              <a:t>down</a:t>
+            </a:r>
+          </a:p>
+          <a:p>
+            <a:r>
+              <a:rPr lang="en-US" sz="2400" dirty="0"/>
+              <a:t>Data structures used</a:t>
+            </a:r>
+          </a:p>
+        </p:txBody>
+      </p:sp>
+      <p:sp>
+        <p:nvSpPr>
+          <p:cNvPr id="5" name="Slide Number Placeholder 4">
+            <a:extLst>
+              <a:ext uri="{FF2B5EF4-FFF2-40B4-BE49-F238E27FC236}">
+                <a16:creationId xmlns:a16="http://schemas.microsoft.com/office/drawing/2014/main" id="{A1C3F87F-9586-4378-88A4-A684F59A6233}"/>
+              </a:ext>
+            </a:extLst>
+          </p:cNvPr>
+          <p:cNvSpPr>
+            <a:spLocks noGrp="1"/>
+          </p:cNvSpPr>
+          <p:nvPr>
+            <p:ph type="sldNum" idx="12"/>
+          </p:nvPr>
+        </p:nvSpPr>
+        <p:spPr/>
+        <p:txBody>
+          <a:bodyPr/>
+          <a:lstStyle/>
+          <a:p>
+            <a:fld id="{00000000-1234-1234-1234-123412341234}" type="slidenum">
+              <a:rPr lang="en" smtClean="0"/>
+              <a:pPr/>
+              <a:t>4</a:t>
+            </a:fld>
+            <a:endParaRPr lang="en"/>
+          </a:p>
+        </p:txBody>
+      </p:sp>
+      <p:graphicFrame>
+        <p:nvGraphicFramePr>
+          <p:cNvPr id="4" name="Table 3">
+            <a:extLst>
+              <a:ext uri="{FF2B5EF4-FFF2-40B4-BE49-F238E27FC236}">
+                <a16:creationId xmlns:a16="http://schemas.microsoft.com/office/drawing/2014/main" id="{D1CE9A57-951A-41F6-AD92-99C135FB1ECC}"/>
+              </a:ext>
+            </a:extLst>
+          </p:cNvPr>
+          <p:cNvGraphicFramePr>
+            <a:graphicFrameLocks noGrp="1"/>
+          </p:cNvGraphicFramePr>
+          <p:nvPr>
+            <p:extLst>
+              <p:ext uri="{D42A27DB-BD31-4B8C-83A1-F6EECF244321}">
+                <p14:modId xmlns:p14="http://schemas.microsoft.com/office/powerpoint/2010/main" val="614636743"/>
+              </p:ext>
+            </p:extLst>
+          </p:nvPr>
+        </p:nvGraphicFramePr>
+        <p:xfrm>
+          <a:off x="3428999" y="1788753"/>
+          <a:ext cx="3273525" cy="1862172"/>
+        </p:xfrm>
+        <a:graphic>
+          <a:graphicData uri="http://schemas.openxmlformats.org/drawingml/2006/table">
+            <a:tbl>
+              <a:tblPr firstRow="1" bandRow="1">
+                <a:tableStyleId>{2A74D58B-49CE-419A-A488-461BF842728D}</a:tableStyleId>
+              </a:tblPr>
+              <a:tblGrid>
+                <a:gridCol w="1091175">
+                  <a:extLst>
+                    <a:ext uri="{9D8B030D-6E8A-4147-A177-3AD203B41FA5}">
+                      <a16:colId xmlns:a16="http://schemas.microsoft.com/office/drawing/2014/main" val="319664630"/>
+                    </a:ext>
+                  </a:extLst>
+                </a:gridCol>
+                <a:gridCol w="1091175">
+                  <a:extLst>
+                    <a:ext uri="{9D8B030D-6E8A-4147-A177-3AD203B41FA5}">
+                      <a16:colId xmlns:a16="http://schemas.microsoft.com/office/drawing/2014/main" val="749027490"/>
+                    </a:ext>
+                  </a:extLst>
+                </a:gridCol>
+                <a:gridCol w="1091175">
+                  <a:extLst>
+                    <a:ext uri="{9D8B030D-6E8A-4147-A177-3AD203B41FA5}">
+                      <a16:colId xmlns:a16="http://schemas.microsoft.com/office/drawing/2014/main" val="2965406030"/>
+                    </a:ext>
+                  </a:extLst>
+                </a:gridCol>
+              </a:tblGrid>
+              <a:tr h="620724">
+                <a:tc>
+                  <a:txBody>
+                    <a:bodyPr/>
+                    <a:lstStyle/>
+                    <a:p>
+                      <a:pPr algn="ctr"/>
+                      <a:r>
+                        <a:rPr lang="en-US" sz="1800" b="1" dirty="0">
+                          <a:solidFill>
+                            <a:schemeClr val="tx1">
+                              <a:lumMod val="75000"/>
+                              <a:lumOff val="25000"/>
+                            </a:schemeClr>
+                          </a:solidFill>
+                        </a:rPr>
+                        <a:t>0,0</a:t>
+                      </a:r>
+                    </a:p>
+                  </a:txBody>
+                  <a:tcPr anchor="ctr"/>
+                </a:tc>
+                <a:tc>
+                  <a:txBody>
+                    <a:bodyPr/>
+                    <a:lstStyle/>
+                    <a:p>
+                      <a:pPr algn="ctr"/>
+                      <a:r>
+                        <a:rPr lang="en-US" sz="1800" b="1" dirty="0">
+                          <a:solidFill>
+                            <a:schemeClr val="tx1">
+                              <a:lumMod val="75000"/>
+                              <a:lumOff val="25000"/>
+                            </a:schemeClr>
+                          </a:solidFill>
+                        </a:rPr>
+                        <a:t>1,0</a:t>
+                      </a:r>
+                    </a:p>
+                  </a:txBody>
+                  <a:tcPr anchor="ctr"/>
+                </a:tc>
+                <a:tc>
+                  <a:txBody>
+                    <a:bodyPr/>
+                    <a:lstStyle/>
+                    <a:p>
+                      <a:pPr algn="ctr"/>
+                      <a:r>
+                        <a:rPr lang="en-US" sz="1800" b="1" dirty="0">
+                          <a:solidFill>
+                            <a:schemeClr val="tx1">
+                              <a:lumMod val="75000"/>
+                              <a:lumOff val="25000"/>
+                            </a:schemeClr>
+                          </a:solidFill>
+                        </a:rPr>
+                        <a:t>2,0</a:t>
+                      </a:r>
+                    </a:p>
+                  </a:txBody>
+                  <a:tcPr anchor="ctr"/>
+                </a:tc>
+                <a:extLst>
+                  <a:ext uri="{0D108BD9-81ED-4DB2-BD59-A6C34878D82A}">
+                    <a16:rowId xmlns:a16="http://schemas.microsoft.com/office/drawing/2014/main" val="3553474077"/>
+                  </a:ext>
+                </a:extLst>
+              </a:tr>
+              <a:tr h="620724">
+                <a:tc>
+                  <a:txBody>
+                    <a:bodyPr/>
+                    <a:lstStyle/>
+                    <a:p>
+                      <a:pPr algn="ctr"/>
+                      <a:r>
+                        <a:rPr lang="en-US" sz="1800" b="1" dirty="0">
+                          <a:solidFill>
+                            <a:schemeClr val="tx1">
+                              <a:lumMod val="75000"/>
+                              <a:lumOff val="25000"/>
+                            </a:schemeClr>
+                          </a:solidFill>
+                        </a:rPr>
+                        <a:t>0,1</a:t>
+                      </a:r>
+                    </a:p>
+                  </a:txBody>
+                  <a:tcPr anchor="ctr"/>
+                </a:tc>
+                <a:tc>
+                  <a:txBody>
+                    <a:bodyPr/>
+                    <a:lstStyle/>
+                    <a:p>
+                      <a:pPr algn="ctr"/>
+                      <a:r>
+                        <a:rPr lang="en-US" sz="1800" b="1" dirty="0">
+                          <a:solidFill>
+                            <a:schemeClr val="tx1">
+                              <a:lumMod val="75000"/>
+                              <a:lumOff val="25000"/>
+                            </a:schemeClr>
+                          </a:solidFill>
+                        </a:rPr>
+                        <a:t>1,1</a:t>
+                      </a:r>
+                    </a:p>
+                  </a:txBody>
+                  <a:tcPr anchor="ctr"/>
+                </a:tc>
+                <a:tc>
+                  <a:txBody>
+                    <a:bodyPr/>
+                    <a:lstStyle/>
+                    <a:p>
+                      <a:pPr algn="ctr"/>
+                      <a:r>
+                        <a:rPr lang="en-US" sz="1800" b="1" dirty="0">
+                          <a:solidFill>
+                            <a:schemeClr val="tx1">
+                              <a:lumMod val="75000"/>
+                              <a:lumOff val="25000"/>
+                            </a:schemeClr>
+                          </a:solidFill>
+                        </a:rPr>
+                        <a:t>2,1</a:t>
+                      </a:r>
+                    </a:p>
+                  </a:txBody>
+                  <a:tcPr anchor="ctr"/>
+                </a:tc>
+                <a:extLst>
+                  <a:ext uri="{0D108BD9-81ED-4DB2-BD59-A6C34878D82A}">
+                    <a16:rowId xmlns:a16="http://schemas.microsoft.com/office/drawing/2014/main" val="3927834214"/>
+                  </a:ext>
+                </a:extLst>
+              </a:tr>
+              <a:tr h="620724">
+                <a:tc>
+                  <a:txBody>
+                    <a:bodyPr/>
+                    <a:lstStyle/>
+                    <a:p>
+                      <a:pPr algn="ctr"/>
+                      <a:r>
+                        <a:rPr lang="en-US" sz="1800" b="1" dirty="0">
+                          <a:solidFill>
+                            <a:schemeClr val="tx1">
+                              <a:lumMod val="75000"/>
+                              <a:lumOff val="25000"/>
+                            </a:schemeClr>
+                          </a:solidFill>
+                        </a:rPr>
+                        <a:t>0,2</a:t>
+                      </a:r>
+                    </a:p>
+                  </a:txBody>
+                  <a:tcPr anchor="ctr"/>
+                </a:tc>
+                <a:tc>
+                  <a:txBody>
+                    <a:bodyPr/>
+                    <a:lstStyle/>
+                    <a:p>
+                      <a:pPr algn="ctr"/>
+                      <a:r>
+                        <a:rPr lang="en-US" sz="1800" b="1" dirty="0">
+                          <a:solidFill>
+                            <a:schemeClr val="tx1">
+                              <a:lumMod val="75000"/>
+                              <a:lumOff val="25000"/>
+                            </a:schemeClr>
+                          </a:solidFill>
+                        </a:rPr>
+                        <a:t>1,2</a:t>
+                      </a:r>
+                    </a:p>
+                  </a:txBody>
+                  <a:tcPr anchor="ctr"/>
+                </a:tc>
+                <a:tc>
+                  <a:txBody>
+                    <a:bodyPr/>
+                    <a:lstStyle/>
+                    <a:p>
+                      <a:pPr algn="ctr"/>
+                      <a:r>
+                        <a:rPr lang="en-US" sz="1800" b="1" dirty="0">
+                          <a:solidFill>
+                            <a:schemeClr val="tx1">
+                              <a:lumMod val="75000"/>
+                              <a:lumOff val="25000"/>
+                            </a:schemeClr>
+                          </a:solidFill>
+                        </a:rPr>
+                        <a:t>2,2</a:t>
+                      </a:r>
+                    </a:p>
+                  </a:txBody>
+                  <a:tcPr anchor="ctr"/>
+                </a:tc>
+                <a:extLst>
+                  <a:ext uri="{0D108BD9-81ED-4DB2-BD59-A6C34878D82A}">
+                    <a16:rowId xmlns:a16="http://schemas.microsoft.com/office/drawing/2014/main" val="3439641545"/>
+                  </a:ext>
+                </a:extLst>
+              </a:tr>
+            </a:tbl>
+          </a:graphicData>
+        </a:graphic>
+      </p:graphicFrame>
+    </p:spTree>
+    <p:extLst>
+      <p:ext uri="{BB962C8B-B14F-4D97-AF65-F5344CB8AC3E}">
+        <p14:creationId xmlns:p14="http://schemas.microsoft.com/office/powerpoint/2010/main" val="107013696"/>
+      </p:ext>
+    </p:extLst>
+  </p:cSld>
+  <p:clrMapOvr>
+    <a:masterClrMapping/>
+  </p:clrMapOvr>
+</p:sld>
+</file>
+
+<file path=ppt/slides/slide5.xml><?xml version="1.0" encoding="utf-8"?>
+<p:sld xmlns:a="http://schemas.openxmlformats.org/drawingml/2006/main" xmlns:r="http://schemas.openxmlformats.org/officeDocument/2006/relationships" xmlns:p="http://schemas.openxmlformats.org/presentationml/2006/main">
+  <p:cSld>
+    <p:spTree>
+      <p:nvGrpSpPr>
+        <p:cNvPr id="1" name=""/>
+        <p:cNvGrpSpPr/>
+        <p:nvPr/>
+      </p:nvGrpSpPr>
+      <p:grpSpPr>
+        <a:xfrm>
+          <a:off x="0" y="0"/>
+          <a:ext cx="0" cy="0"/>
+          <a:chOff x="0" y="0"/>
+          <a:chExt cx="0" cy="0"/>
+        </a:xfrm>
+      </p:grpSpPr>
+      <p:sp>
+        <p:nvSpPr>
+          <p:cNvPr id="2" name="Title 1">
+            <a:extLst>
+              <a:ext uri="{FF2B5EF4-FFF2-40B4-BE49-F238E27FC236}">
+                <a16:creationId xmlns:a16="http://schemas.microsoft.com/office/drawing/2014/main" id="{5882F5F0-E3F1-4D5A-AD2B-10BBEA0EC5FB}"/>
+              </a:ext>
+            </a:extLst>
+          </p:cNvPr>
+          <p:cNvSpPr>
+            <a:spLocks noGrp="1"/>
+          </p:cNvSpPr>
+          <p:nvPr>
+            <p:ph type="title"/>
+          </p:nvPr>
+        </p:nvSpPr>
+        <p:spPr>
+          <a:xfrm>
+            <a:off x="340397" y="402700"/>
+            <a:ext cx="2932491" cy="856800"/>
+          </a:xfrm>
+        </p:spPr>
+        <p:txBody>
+          <a:bodyPr/>
+          <a:lstStyle/>
+          <a:p>
+            <a:r>
+              <a:rPr lang="en-US" sz="2800" dirty="0"/>
+              <a:t>Movement Code</a:t>
+            </a:r>
+          </a:p>
+        </p:txBody>
+      </p:sp>
+      <p:sp>
+        <p:nvSpPr>
+          <p:cNvPr id="3" name="Text Placeholder 2">
+            <a:extLst>
+              <a:ext uri="{FF2B5EF4-FFF2-40B4-BE49-F238E27FC236}">
+                <a16:creationId xmlns:a16="http://schemas.microsoft.com/office/drawing/2014/main" id="{017C6FE1-3504-4427-8BC5-10294587000A}"/>
+              </a:ext>
+            </a:extLst>
+          </p:cNvPr>
+          <p:cNvSpPr>
+            <a:spLocks noGrp="1"/>
+          </p:cNvSpPr>
+          <p:nvPr>
+            <p:ph type="body" idx="1"/>
+          </p:nvPr>
+        </p:nvSpPr>
+        <p:spPr>
+          <a:xfrm>
+            <a:off x="388779" y="1314867"/>
+            <a:ext cx="2774912" cy="3425933"/>
+          </a:xfrm>
+        </p:spPr>
+        <p:txBody>
+          <a:bodyPr/>
+          <a:lstStyle/>
+          <a:p>
+            <a:r>
+              <a:rPr lang="en-US" sz="2400" dirty="0"/>
+              <a:t>Function inputs</a:t>
+            </a:r>
+          </a:p>
+          <a:p>
+            <a:r>
+              <a:rPr lang="en-US" sz="2400" dirty="0"/>
+              <a:t>Temp </a:t>
+            </a:r>
+            <a:br>
+              <a:rPr lang="en-US" sz="2400" dirty="0"/>
+            </a:br>
+            <a:r>
+              <a:rPr lang="en-US" sz="2400" dirty="0"/>
+              <a:t>variables</a:t>
+            </a:r>
+          </a:p>
+          <a:p>
+            <a:r>
+              <a:rPr lang="en-US" sz="2400" dirty="0"/>
+              <a:t>Conditional jumps</a:t>
+            </a:r>
+          </a:p>
+          <a:p>
+            <a:r>
+              <a:rPr lang="en-US" sz="2400" dirty="0"/>
+              <a:t>Inc, </a:t>
+            </a:r>
+            <a:r>
+              <a:rPr lang="en-US" sz="2400" dirty="0" err="1"/>
+              <a:t>dec</a:t>
+            </a:r>
+            <a:endParaRPr lang="en-US" sz="2400" dirty="0"/>
+          </a:p>
+          <a:p>
+            <a:endParaRPr lang="en-US" sz="2400" dirty="0"/>
+          </a:p>
+        </p:txBody>
+      </p:sp>
+      <p:sp>
+        <p:nvSpPr>
+          <p:cNvPr id="5" name="Slide Number Placeholder 4">
+            <a:extLst>
+              <a:ext uri="{FF2B5EF4-FFF2-40B4-BE49-F238E27FC236}">
+                <a16:creationId xmlns:a16="http://schemas.microsoft.com/office/drawing/2014/main" id="{A1C3F87F-9586-4378-88A4-A684F59A6233}"/>
+              </a:ext>
+            </a:extLst>
+          </p:cNvPr>
+          <p:cNvSpPr>
+            <a:spLocks noGrp="1"/>
+          </p:cNvSpPr>
+          <p:nvPr>
+            <p:ph type="sldNum" idx="12"/>
+          </p:nvPr>
+        </p:nvSpPr>
+        <p:spPr/>
+        <p:txBody>
+          <a:bodyPr/>
+          <a:lstStyle/>
+          <a:p>
+            <a:fld id="{00000000-1234-1234-1234-123412341234}" type="slidenum">
+              <a:rPr lang="en" smtClean="0"/>
+              <a:pPr/>
+              <a:t>5</a:t>
+            </a:fld>
+            <a:endParaRPr lang="en"/>
+          </a:p>
+        </p:txBody>
+      </p:sp>
+      <p:pic>
+        <p:nvPicPr>
+          <p:cNvPr id="4" name="Picture 3">
+            <a:extLst>
+              <a:ext uri="{FF2B5EF4-FFF2-40B4-BE49-F238E27FC236}">
+                <a16:creationId xmlns:a16="http://schemas.microsoft.com/office/drawing/2014/main" id="{45D9DEEC-054A-47A3-AD84-F5DF457E2AD6}"/>
+              </a:ext>
+            </a:extLst>
+          </p:cNvPr>
+          <p:cNvPicPr>
+            <a:picLocks noChangeAspect="1"/>
+          </p:cNvPicPr>
+          <p:nvPr/>
+        </p:nvPicPr>
+        <p:blipFill rotWithShape="1">
+          <a:blip r:embed="rId3"/>
+          <a:srcRect l="9098"/>
+          <a:stretch/>
+        </p:blipFill>
+        <p:spPr>
+          <a:xfrm>
+            <a:off x="2776572" y="0"/>
+            <a:ext cx="4099774" cy="5143500"/>
+          </a:xfrm>
+          <a:prstGeom prst="rect">
+            <a:avLst/>
+          </a:prstGeom>
+        </p:spPr>
+      </p:pic>
+    </p:spTree>
+    <p:extLst>
+      <p:ext uri="{BB962C8B-B14F-4D97-AF65-F5344CB8AC3E}">
+        <p14:creationId xmlns:p14="http://schemas.microsoft.com/office/powerpoint/2010/main" val="2870026486"/>
+      </p:ext>
+    </p:extLst>
+  </p:cSld>
+  <p:clrMapOvr>
+    <a:masterClrMapping/>
+  </p:clrMapOvr>
+</p:sld>
+</file>
+
+<file path=ppt/slides/slide6.xml><?xml version="1.0" encoding="utf-8"?>
 <p:sld xmlns:a="http://schemas.openxmlformats.org/drawingml/2006/main" xmlns:r="http://schemas.openxmlformats.org/officeDocument/2006/relationships" xmlns:p="http://schemas.openxmlformats.org/presentationml/2006/main">
   <p:cSld>
     <p:spTree>
@@ -5898,8 +7258,8 @@
         </p:nvSpPr>
         <p:spPr>
           <a:xfrm>
-            <a:off x="776450" y="402700"/>
-            <a:ext cx="3587400" cy="856800"/>
+            <a:off x="582337" y="944963"/>
+            <a:ext cx="3095285" cy="642600"/>
           </a:xfrm>
           <a:prstGeom prst="rect">
             <a:avLst/>
@@ -5911,62 +7271,10 @@
           </a:bodyPr>
           <a:lstStyle/>
           <a:p>
-            <a:pPr marL="0" lvl="0" indent="0" algn="l" rtl="0">
-              <a:spcBef>
-                <a:spcPts val="0"/>
-              </a:spcBef>
-              <a:spcAft>
-                <a:spcPts val="0"/>
-              </a:spcAft>
-              <a:buNone/>
-            </a:pPr>
             <a:r>
               <a:rPr lang="en-US" dirty="0"/>
-              <a:t>How we overcame challenges</a:t>
+              <a:t>Some Assembler Dependent Functions</a:t>
             </a:r>
-            <a:endParaRPr dirty="0"/>
-          </a:p>
-        </p:txBody>
-      </p:sp>
-      <p:sp>
-        <p:nvSpPr>
-          <p:cNvPr id="318" name="Google Shape;318;p13"/>
-          <p:cNvSpPr txBox="1">
-            <a:spLocks noGrp="1"/>
-          </p:cNvSpPr>
-          <p:nvPr>
-            <p:ph type="body" idx="1"/>
-          </p:nvPr>
-        </p:nvSpPr>
-        <p:spPr>
-          <a:xfrm>
-            <a:off x="776450" y="1524375"/>
-            <a:ext cx="3587400" cy="3077100"/>
-          </a:xfrm>
-          <a:prstGeom prst="rect">
-            <a:avLst/>
-          </a:prstGeom>
-        </p:spPr>
-        <p:txBody>
-          <a:bodyPr spcFirstLastPara="1" wrap="square" lIns="0" tIns="0" rIns="0" bIns="0" anchor="t" anchorCtr="0">
-            <a:noAutofit/>
-          </a:bodyPr>
-          <a:lstStyle/>
-          <a:p>
-            <a:pPr marL="0" lvl="0" indent="0" algn="l" rtl="0">
-              <a:spcBef>
-                <a:spcPts val="600"/>
-              </a:spcBef>
-              <a:spcAft>
-                <a:spcPts val="0"/>
-              </a:spcAft>
-              <a:buClr>
-                <a:schemeClr val="dk1"/>
-              </a:buClr>
-              <a:buSzPts val="1100"/>
-              <a:buFont typeface="Arial"/>
-              <a:buNone/>
-            </a:pPr>
             <a:endParaRPr dirty="0"/>
           </a:p>
         </p:txBody>
@@ -5983,8 +7291,8 @@
         </p:nvSpPr>
         <p:spPr>
           <a:xfrm>
-            <a:off x="8729400" y="4734075"/>
-            <a:ext cx="414600" cy="409500"/>
+            <a:off x="6547050" y="4193494"/>
+            <a:ext cx="310950" cy="307125"/>
           </a:xfrm>
           <a:prstGeom prst="rect">
             <a:avLst/>
@@ -5996,27 +7304,105 @@
           </a:bodyPr>
           <a:lstStyle/>
           <a:p>
-            <a:pPr marL="0" lvl="0" indent="0" algn="ctr" rtl="0">
-              <a:spcBef>
-                <a:spcPts val="0"/>
-              </a:spcBef>
-              <a:spcAft>
-                <a:spcPts val="0"/>
-              </a:spcAft>
-              <a:buNone/>
-            </a:pPr>
             <a:fld id="{00000000-1234-1234-1234-123412341234}" type="slidenum">
               <a:rPr lang="en"/>
-              <a:t>4</a:t>
+              <a:pPr/>
+              <a:t>6</a:t>
             </a:fld>
             <a:endParaRPr/>
+          </a:p>
+        </p:txBody>
+      </p:sp>
+      <p:sp>
+        <p:nvSpPr>
+          <p:cNvPr id="5" name="Google Shape;346;p17">
+            <a:extLst>
+              <a:ext uri="{FF2B5EF4-FFF2-40B4-BE49-F238E27FC236}">
+                <a16:creationId xmlns:a16="http://schemas.microsoft.com/office/drawing/2014/main" id="{7C72B6A9-16E2-48CD-8B66-B7686F7E2646}"/>
+              </a:ext>
+            </a:extLst>
+          </p:cNvPr>
+          <p:cNvSpPr txBox="1">
+            <a:spLocks noGrp="1"/>
+          </p:cNvSpPr>
+          <p:nvPr>
+            <p:ph type="body" idx="1"/>
+          </p:nvPr>
+        </p:nvSpPr>
+        <p:spPr>
+          <a:xfrm>
+            <a:off x="582338" y="1786219"/>
+            <a:ext cx="5693400" cy="2199375"/>
+          </a:xfrm>
+          <a:prstGeom prst="rect">
+            <a:avLst/>
+          </a:prstGeom>
+        </p:spPr>
+        <p:txBody>
+          <a:bodyPr spcFirstLastPara="1" wrap="square" lIns="0" tIns="0" rIns="0" bIns="0" anchor="t" anchorCtr="0">
+            <a:noAutofit/>
+          </a:bodyPr>
+          <a:lstStyle/>
+          <a:p>
+            <a:pPr>
+              <a:spcBef>
+                <a:spcPts val="0"/>
+              </a:spcBef>
+            </a:pPr>
+            <a:r>
+              <a:rPr lang="en-US" dirty="0" err="1"/>
+              <a:t>DrawGrid</a:t>
+            </a:r>
+            <a:r>
+              <a:rPr lang="en-US" dirty="0"/>
+              <a:t>(): Iterating over a 2d </a:t>
+            </a:r>
+            <a:r>
+              <a:rPr lang="en-US" dirty="0" err="1"/>
+              <a:t>datastructure</a:t>
+            </a:r>
+            <a:r>
+              <a:rPr lang="en-US" dirty="0"/>
+              <a:t> </a:t>
+            </a:r>
+          </a:p>
+          <a:p>
+            <a:pPr>
+              <a:spcBef>
+                <a:spcPts val="0"/>
+              </a:spcBef>
+            </a:pPr>
+            <a:r>
+              <a:rPr lang="en-US" dirty="0" err="1"/>
+              <a:t>SetDrawColor</a:t>
+            </a:r>
+            <a:r>
+              <a:rPr lang="en-US" dirty="0"/>
+              <a:t>(): formulates color id based on </a:t>
+            </a:r>
+            <a:r>
+              <a:rPr lang="en-US" dirty="0" err="1"/>
+              <a:t>r,g,b</a:t>
+            </a:r>
+            <a:r>
+              <a:rPr lang="en-US" dirty="0"/>
+              <a:t>, and intensity properties of a grid point </a:t>
+            </a:r>
+          </a:p>
+          <a:p>
+            <a:pPr>
+              <a:spcBef>
+                <a:spcPts val="0"/>
+              </a:spcBef>
+            </a:pPr>
+            <a:endParaRPr dirty="0"/>
           </a:p>
         </p:txBody>
       </p:sp>
     </p:spTree>
     <p:extLst>
       <p:ext uri="{BB962C8B-B14F-4D97-AF65-F5344CB8AC3E}">
-        <p14:creationId xmlns:p14="http://schemas.microsoft.com/office/powerpoint/2010/main" val="4087069173"/>
+        <p14:creationId xmlns:p14="http://schemas.microsoft.com/office/powerpoint/2010/main" val="3475402988"/>
       </p:ext>
     </p:extLst>
   </p:cSld>
@@ -6026,7 +7412,7 @@
 </p:sld>
 </file>
 
-<file path=ppt/slides/slide5.xml><?xml version="1.0" encoding="utf-8"?>
+<file path=ppt/slides/slide7.xml><?xml version="1.0" encoding="utf-8"?>
 <p:sld xmlns:a="http://schemas.openxmlformats.org/drawingml/2006/main" xmlns:r="http://schemas.openxmlformats.org/officeDocument/2006/relationships" xmlns:p="http://schemas.openxmlformats.org/presentationml/2006/main">
   <p:cSld>
     <p:spTree>
@@ -6055,8 +7441,8 @@
         </p:nvSpPr>
         <p:spPr>
           <a:xfrm>
-            <a:off x="776450" y="402700"/>
-            <a:ext cx="3587400" cy="856800"/>
+            <a:off x="582338" y="944963"/>
+            <a:ext cx="2690550" cy="642600"/>
           </a:xfrm>
           <a:prstGeom prst="rect">
             <a:avLst/>
@@ -6068,18 +7454,9 @@
           </a:bodyPr>
           <a:lstStyle/>
           <a:p>
-            <a:pPr marL="0" lvl="0" indent="0" algn="l" rtl="0">
-              <a:spcBef>
-                <a:spcPts val="0"/>
-              </a:spcBef>
-              <a:spcAft>
-                <a:spcPts val="0"/>
-              </a:spcAft>
-              <a:buNone/>
-            </a:pPr>
             <a:r>
               <a:rPr lang="en-US" dirty="0"/>
-              <a:t>Things we were proud of</a:t>
+              <a:t>Things we learned</a:t>
             </a:r>
             <a:endParaRPr dirty="0"/>
           </a:p>
@@ -6097,8 +7474,8 @@
         </p:nvSpPr>
         <p:spPr>
           <a:xfrm>
-            <a:off x="8729400" y="4734075"/>
-            <a:ext cx="414600" cy="409500"/>
+            <a:off x="6547050" y="4193494"/>
+            <a:ext cx="310950" cy="307125"/>
           </a:xfrm>
           <a:prstGeom prst="rect">
             <a:avLst/>
@@ -6110,18 +7487,10 @@
           </a:bodyPr>
           <a:lstStyle/>
           <a:p>
-            <a:pPr marL="0" lvl="0" indent="0" algn="ctr" rtl="0">
-              <a:spcBef>
-                <a:spcPts val="0"/>
-              </a:spcBef>
-              <a:spcAft>
-                <a:spcPts val="0"/>
-              </a:spcAft>
-              <a:buNone/>
-            </a:pPr>
             <a:fld id="{00000000-1234-1234-1234-123412341234}" type="slidenum">
               <a:rPr lang="en"/>
-              <a:t>5</a:t>
+              <a:pPr/>
+              <a:t>7</a:t>
             </a:fld>
             <a:endParaRPr/>
           </a:p>
@@ -6145,8 +7514,8 @@
         </p:nvSpPr>
         <p:spPr>
           <a:xfrm>
-            <a:off x="776450" y="1524375"/>
-            <a:ext cx="7591200" cy="2932500"/>
+            <a:off x="582338" y="1786219"/>
+            <a:ext cx="5693400" cy="2199375"/>
           </a:xfrm>
           <a:prstGeom prst="rect">
             <a:avLst/>
@@ -6158,70 +7527,33 @@
           </a:bodyPr>
           <a:lstStyle/>
           <a:p>
-            <a:pPr marL="457200" lvl="0" indent="-355600" algn="l" rtl="0">
-              <a:spcBef>
-                <a:spcPts val="0"/>
-              </a:spcBef>
-              <a:spcAft>
-                <a:spcPts val="0"/>
-              </a:spcAft>
-              <a:buSzPts val="2000"/>
-              <a:buChar char="❑"/>
+            <a:pPr>
+              <a:spcBef>
+                <a:spcPts val="0"/>
+              </a:spcBef>
             </a:pPr>
             <a:r>
-              <a:rPr lang="en" dirty="0"/>
-              <a:t>Here you have a list of items</a:t>
+              <a:rPr lang="en-US" dirty="0"/>
+              <a:t>Lowest-level coding</a:t>
             </a:r>
-            <a:endParaRPr dirty="0"/>
           </a:p>
           <a:p>
-            <a:pPr marL="457200" lvl="0" indent="-355600" algn="l" rtl="0">
-              <a:spcBef>
-                <a:spcPts val="1000"/>
-              </a:spcBef>
-              <a:spcAft>
-                <a:spcPts val="0"/>
-              </a:spcAft>
-              <a:buSzPts val="2000"/>
-              <a:buChar char="❑"/>
+            <a:pPr>
+              <a:spcBef>
+                <a:spcPts val="0"/>
+              </a:spcBef>
             </a:pPr>
             <a:r>
-              <a:rPr lang="en" dirty="0"/>
-              <a:t>And some text</a:t>
+              <a:rPr lang="en-US" dirty="0"/>
+              <a:t>Inline assembler</a:t>
             </a:r>
-            <a:endParaRPr dirty="0"/>
           </a:p>
           <a:p>
-            <a:pPr marL="457200" lvl="0" indent="-355600" algn="l" rtl="0">
-              <a:spcBef>
-                <a:spcPts val="1000"/>
-              </a:spcBef>
-              <a:spcAft>
-                <a:spcPts val="0"/>
-              </a:spcAft>
-              <a:buSzPts val="2000"/>
-              <a:buChar char="❑"/>
+            <a:pPr>
+              <a:spcBef>
+                <a:spcPts val="0"/>
+              </a:spcBef>
             </a:pPr>
-            <a:r>
-              <a:rPr lang="en" dirty="0"/>
-              <a:t>But remember not to overload your slides with content</a:t>
-            </a:r>
-            <a:endParaRPr dirty="0"/>
-          </a:p>
-          <a:p>
-            <a:pPr marL="0" lvl="0" indent="0" algn="l" rtl="0">
-              <a:spcBef>
-                <a:spcPts val="1000"/>
-              </a:spcBef>
-              <a:spcAft>
-                <a:spcPts val="1000"/>
-              </a:spcAft>
-              <a:buNone/>
-            </a:pPr>
-            <a:r>
-              <a:rPr lang="en" dirty="0"/>
-              <a:t>Your audience will listen to you or read the content, but won’t do both. </a:t>
-            </a:r>
             <a:endParaRPr dirty="0"/>
           </a:p>
         </p:txBody>
@@ -6229,7 +7561,7 @@
     </p:spTree>
     <p:extLst>
       <p:ext uri="{BB962C8B-B14F-4D97-AF65-F5344CB8AC3E}">
-        <p14:creationId xmlns:p14="http://schemas.microsoft.com/office/powerpoint/2010/main" val="3475402988"/>
+        <p14:creationId xmlns:p14="http://schemas.microsoft.com/office/powerpoint/2010/main" val="1602048014"/>
       </p:ext>
     </p:extLst>
   </p:cSld>
@@ -6239,7 +7571,7 @@
 </p:sld>
 </file>
 
-<file path=ppt/slides/slide6.xml><?xml version="1.0" encoding="utf-8"?>
+<file path=ppt/slides/slide8.xml><?xml version="1.0" encoding="utf-8"?>
 <p:sld xmlns:a="http://schemas.openxmlformats.org/drawingml/2006/main" xmlns:r="http://schemas.openxmlformats.org/officeDocument/2006/relationships" xmlns:p="http://schemas.openxmlformats.org/presentationml/2006/main">
   <p:cSld>
     <p:spTree>
@@ -6268,8 +7600,8 @@
         </p:nvSpPr>
         <p:spPr>
           <a:xfrm>
-            <a:off x="1313736" y="1167942"/>
-            <a:ext cx="4725000" cy="861900"/>
+            <a:off x="985302" y="1518894"/>
+            <a:ext cx="3543750" cy="646425"/>
           </a:xfrm>
           <a:prstGeom prst="rect">
             <a:avLst/>
@@ -6281,17 +7613,8 @@
           </a:bodyPr>
           <a:lstStyle/>
           <a:p>
-            <a:pPr marL="0" lvl="0" indent="0" algn="l" rtl="0">
-              <a:spcBef>
-                <a:spcPts val="0"/>
-              </a:spcBef>
-              <a:spcAft>
-                <a:spcPts val="0"/>
-              </a:spcAft>
-              <a:buNone/>
-            </a:pPr>
             <a:r>
-              <a:rPr lang="en-US" sz="7200" dirty="0">
+              <a:rPr lang="en-US" sz="5400" dirty="0">
                 <a:solidFill>
                   <a:schemeClr val="accent2"/>
                 </a:solidFill>
@@ -6299,14 +7622,14 @@
               <a:t>Demo Time</a:t>
             </a:r>
             <a:r>
-              <a:rPr lang="en" sz="7200" dirty="0">
+              <a:rPr lang="en" sz="5400" dirty="0">
                 <a:solidFill>
                   <a:schemeClr val="accent2"/>
                 </a:solidFill>
               </a:rPr>
               <a:t>!</a:t>
             </a:r>
-            <a:endParaRPr sz="7200" dirty="0">
+            <a:endParaRPr sz="5400" dirty="0">
               <a:solidFill>
                 <a:schemeClr val="accent2"/>
               </a:solidFill>
@@ -6326,8 +7649,8 @@
         </p:nvSpPr>
         <p:spPr>
           <a:xfrm>
-            <a:off x="8729400" y="4734075"/>
-            <a:ext cx="414600" cy="409500"/>
+            <a:off x="6547050" y="4193494"/>
+            <a:ext cx="310950" cy="307125"/>
           </a:xfrm>
           <a:prstGeom prst="rect">
             <a:avLst/>
@@ -6339,18 +7662,10 @@
           </a:bodyPr>
           <a:lstStyle/>
           <a:p>
-            <a:pPr marL="0" lvl="0" indent="0" algn="ctr" rtl="0">
-              <a:spcBef>
-                <a:spcPts val="0"/>
-              </a:spcBef>
-              <a:spcAft>
-                <a:spcPts val="0"/>
-              </a:spcAft>
-              <a:buNone/>
-            </a:pPr>
             <a:fld id="{00000000-1234-1234-1234-123412341234}" type="slidenum">
               <a:rPr lang="en"/>
-              <a:t>6</a:t>
+              <a:pPr/>
+              <a:t>8</a:t>
             </a:fld>
             <a:endParaRPr/>
           </a:p>
@@ -6364,7 +7679,7 @@
 </p:sld>
 </file>
 
-<file path=ppt/slides/slide7.xml><?xml version="1.0" encoding="utf-8"?>
+<file path=ppt/slides/slide9.xml><?xml version="1.0" encoding="utf-8"?>
 <p:sld xmlns:a="http://schemas.openxmlformats.org/drawingml/2006/main" xmlns:r="http://schemas.openxmlformats.org/officeDocument/2006/relationships" xmlns:p="http://schemas.openxmlformats.org/presentationml/2006/main">
   <p:cSld>
     <p:spTree>
@@ -6393,8 +7708,8 @@
         </p:nvSpPr>
         <p:spPr>
           <a:xfrm>
-            <a:off x="8729400" y="4734075"/>
-            <a:ext cx="414600" cy="409500"/>
+            <a:off x="6547050" y="4193494"/>
+            <a:ext cx="310950" cy="307125"/>
           </a:xfrm>
           <a:prstGeom prst="rect">
             <a:avLst/>
@@ -6406,18 +7721,10 @@
           </a:bodyPr>
           <a:lstStyle/>
           <a:p>
-            <a:pPr marL="0" lvl="0" indent="0" algn="ctr" rtl="0">
-              <a:spcBef>
-                <a:spcPts val="0"/>
-              </a:spcBef>
-              <a:spcAft>
-                <a:spcPts val="0"/>
-              </a:spcAft>
-              <a:buNone/>
-            </a:pPr>
             <a:fld id="{00000000-1234-1234-1234-123412341234}" type="slidenum">
               <a:rPr lang="en"/>
-              <a:t>7</a:t>
+              <a:pPr/>
+              <a:t>9</a:t>
             </a:fld>
             <a:endParaRPr/>
           </a:p>
@@ -6435,8 +7742,8 @@
         </p:nvSpPr>
         <p:spPr>
           <a:xfrm>
-            <a:off x="1313736" y="1167942"/>
-            <a:ext cx="4725000" cy="861900"/>
+            <a:off x="985302" y="1518894"/>
+            <a:ext cx="3543750" cy="646425"/>
           </a:xfrm>
           <a:prstGeom prst="rect">
             <a:avLst/>
@@ -6448,24 +7755,15 @@
           </a:bodyPr>
           <a:lstStyle/>
           <a:p>
-            <a:pPr marL="0" lvl="0" indent="0" algn="l" rtl="0">
-              <a:spcBef>
-                <a:spcPts val="0"/>
-              </a:spcBef>
-              <a:spcAft>
-                <a:spcPts val="0"/>
-              </a:spcAft>
-              <a:buNone/>
-            </a:pPr>
             <a:r>
-              <a:rPr lang="en" sz="7200">
+              <a:rPr lang="en" sz="5400">
                 <a:solidFill>
                   <a:schemeClr val="accent2"/>
                 </a:solidFill>
               </a:rPr>
               <a:t>THANKS!</a:t>
             </a:r>
-            <a:endParaRPr sz="7200">
+            <a:endParaRPr sz="5400">
               <a:solidFill>
                 <a:schemeClr val="accent2"/>
               </a:solidFill>
@@ -6485,8 +7783,8 @@
         </p:nvSpPr>
         <p:spPr>
           <a:xfrm>
-            <a:off x="1356746" y="2229002"/>
-            <a:ext cx="4725000" cy="2341200"/>
+            <a:off x="1017560" y="2314689"/>
+            <a:ext cx="3543750" cy="1755900"/>
           </a:xfrm>
           <a:prstGeom prst="rect">
             <a:avLst/>
@@ -6498,13 +7796,10 @@
           </a:bodyPr>
           <a:lstStyle/>
           <a:p>
-            <a:pPr marL="0" lvl="0" indent="0" algn="l" rtl="0">
-              <a:spcBef>
-                <a:spcPts val="600"/>
-              </a:spcBef>
-              <a:spcAft>
-                <a:spcPts val="0"/>
-              </a:spcAft>
+            <a:pPr marL="0" indent="0">
+              <a:spcBef>
+                <a:spcPts val="450"/>
+              </a:spcBef>
               <a:buNone/>
             </a:pPr>
             <a:r>
@@ -6525,75 +7820,12 @@
           </a:p>
         </p:txBody>
       </p:sp>
-    </p:spTree>
-  </p:cSld>
-  <p:clrMapOvr>
-    <a:masterClrMapping/>
-  </p:clrMapOvr>
-</p:sld>
-</file>
-
-<file path=ppt/slides/slide8.xml><?xml version="1.0" encoding="utf-8"?>
-<p:sld xmlns:a="http://schemas.openxmlformats.org/drawingml/2006/main" xmlns:r="http://schemas.openxmlformats.org/officeDocument/2006/relationships" xmlns:p="http://schemas.openxmlformats.org/presentationml/2006/main">
-  <p:cSld>
-    <p:spTree>
-      <p:nvGrpSpPr>
-        <p:cNvPr id="1" name=""/>
-        <p:cNvGrpSpPr/>
-        <p:nvPr/>
-      </p:nvGrpSpPr>
-      <p:grpSpPr>
-        <a:xfrm>
-          <a:off x="0" y="0"/>
-          <a:ext cx="0" cy="0"/>
-          <a:chOff x="0" y="0"/>
-          <a:chExt cx="0" cy="0"/>
-        </a:xfrm>
-      </p:grpSpPr>
       <p:sp>
         <p:nvSpPr>
-          <p:cNvPr id="2" name="Slide Number Placeholder 1">
+          <p:cNvPr id="5" name="Google Shape;557;p34">
             <a:extLst>
               <a:ext uri="{FF2B5EF4-FFF2-40B4-BE49-F238E27FC236}">
-                <a16:creationId xmlns:a16="http://schemas.microsoft.com/office/drawing/2014/main" id="{4E057542-16F1-4991-AB78-17C70A01CBC1}"/>
-              </a:ext>
-            </a:extLst>
-          </p:cNvPr>
-          <p:cNvSpPr>
-            <a:spLocks noGrp="1"/>
-          </p:cNvSpPr>
-          <p:nvPr>
-            <p:ph type="sldNum" idx="12"/>
-          </p:nvPr>
-        </p:nvSpPr>
-        <p:spPr/>
-        <p:txBody>
-          <a:bodyPr/>
-          <a:lstStyle/>
-          <a:p>
-            <a:pPr marL="0" lvl="0" indent="0" algn="ctr" rtl="0">
-              <a:spcBef>
-                <a:spcPts val="0"/>
-              </a:spcBef>
-              <a:spcAft>
-                <a:spcPts val="0"/>
-              </a:spcAft>
-              <a:buNone/>
-            </a:pPr>
-            <a:fld id="{00000000-1234-1234-1234-123412341234}" type="slidenum">
-              <a:rPr lang="en" smtClean="0"/>
-              <a:t>8</a:t>
-            </a:fld>
-            <a:endParaRPr lang="en"/>
-          </a:p>
-        </p:txBody>
-      </p:sp>
-      <p:sp>
-        <p:nvSpPr>
-          <p:cNvPr id="3" name="Google Shape;346;p17">
-            <a:extLst>
-              <a:ext uri="{FF2B5EF4-FFF2-40B4-BE49-F238E27FC236}">
-                <a16:creationId xmlns:a16="http://schemas.microsoft.com/office/drawing/2014/main" id="{17F7A4FB-074C-499D-94CA-47FB76DEDA4A}"/>
+                <a16:creationId xmlns:a16="http://schemas.microsoft.com/office/drawing/2014/main" id="{B919F0EF-1BB5-4FDB-962E-95DF792038A1}"/>
               </a:ext>
             </a:extLst>
           </p:cNvPr>
@@ -6604,12 +7836,16 @@
         </p:nvSpPr>
         <p:spPr>
           <a:xfrm>
-            <a:off x="829845" y="1450956"/>
-            <a:ext cx="7591200" cy="2932500"/>
+            <a:off x="985302" y="4357902"/>
+            <a:ext cx="4463278" cy="561218"/>
           </a:xfrm>
           <a:prstGeom prst="rect">
             <a:avLst/>
           </a:prstGeom>
+          <a:noFill/>
+          <a:ln>
+            <a:noFill/>
+          </a:ln>
         </p:spPr>
         <p:txBody>
           <a:bodyPr spcFirstLastPara="1" wrap="square" lIns="0" tIns="0" rIns="0" bIns="0" anchor="t" anchorCtr="0">
@@ -6627,535 +7863,262 @@
                 <a:spcPts val="0"/>
               </a:spcAft>
             </a:defPPr>
-            <a:lvl1pPr marR="0" lvl="0" algn="l" rtl="0">
+            <a:lvl1pPr marL="457200" marR="0" lvl="0" indent="-355600" algn="l" rtl="0">
               <a:lnSpc>
-                <a:spcPct val="100000"/>
+                <a:spcPct val="120000"/>
               </a:lnSpc>
               <a:spcBef>
-                <a:spcPts val="0"/>
+                <a:spcPts val="600"/>
               </a:spcBef>
               <a:spcAft>
                 <a:spcPts val="0"/>
               </a:spcAft>
               <a:buClr>
-                <a:srgbClr val="000000"/>
+                <a:schemeClr val="accent6"/>
               </a:buClr>
-              <a:buFont typeface="Arial"/>
-              <a:defRPr sz="1400" b="0" i="0" u="none" strike="noStrike" cap="none">
+              <a:buSzPts val="2000"/>
+              <a:buFont typeface="Montserrat Light"/>
+              <a:buChar char="❑"/>
+              <a:defRPr sz="2000" b="0" i="0" u="none" strike="noStrike" cap="none">
                 <a:solidFill>
-                  <a:srgbClr val="000000"/>
+                  <a:schemeClr val="dk1"/>
                 </a:solidFill>
-                <a:latin typeface="Arial"/>
-                <a:ea typeface="Arial"/>
-                <a:cs typeface="Arial"/>
-                <a:sym typeface="Arial"/>
+                <a:latin typeface="Montserrat Light"/>
+                <a:ea typeface="Montserrat Light"/>
+                <a:cs typeface="Montserrat Light"/>
+                <a:sym typeface="Montserrat Light"/>
               </a:defRPr>
             </a:lvl1pPr>
-            <a:lvl2pPr marR="0" lvl="1" algn="l" rtl="0">
+            <a:lvl2pPr marL="914400" marR="0" lvl="1" indent="-355600" algn="l" rtl="0">
               <a:lnSpc>
-                <a:spcPct val="100000"/>
+                <a:spcPct val="120000"/>
               </a:lnSpc>
               <a:spcBef>
-                <a:spcPts val="0"/>
+                <a:spcPts val="600"/>
               </a:spcBef>
               <a:spcAft>
                 <a:spcPts val="0"/>
               </a:spcAft>
               <a:buClr>
-                <a:srgbClr val="000000"/>
+                <a:schemeClr val="accent6"/>
               </a:buClr>
-              <a:buFont typeface="Arial"/>
-              <a:defRPr sz="1400" b="0" i="0" u="none" strike="noStrike" cap="none">
+              <a:buSzPts val="2000"/>
+              <a:buFont typeface="Montserrat Light"/>
+              <a:buChar char="❏"/>
+              <a:defRPr sz="2000" b="0" i="0" u="none" strike="noStrike" cap="none">
                 <a:solidFill>
-                  <a:srgbClr val="000000"/>
+                  <a:schemeClr val="dk1"/>
                 </a:solidFill>
-                <a:latin typeface="Arial"/>
-                <a:ea typeface="Arial"/>
-                <a:cs typeface="Arial"/>
-                <a:sym typeface="Arial"/>
+                <a:latin typeface="Montserrat Light"/>
+                <a:ea typeface="Montserrat Light"/>
+                <a:cs typeface="Montserrat Light"/>
+                <a:sym typeface="Montserrat Light"/>
               </a:defRPr>
             </a:lvl2pPr>
-            <a:lvl3pPr marR="0" lvl="2" algn="l" rtl="0">
+            <a:lvl3pPr marL="1371600" marR="0" lvl="2" indent="-355600" algn="l" rtl="0">
               <a:lnSpc>
-                <a:spcPct val="100000"/>
+                <a:spcPct val="120000"/>
               </a:lnSpc>
               <a:spcBef>
-                <a:spcPts val="0"/>
+                <a:spcPts val="600"/>
               </a:spcBef>
               <a:spcAft>
                 <a:spcPts val="0"/>
               </a:spcAft>
               <a:buClr>
-                <a:srgbClr val="000000"/>
+                <a:schemeClr val="accent6"/>
               </a:buClr>
-              <a:buFont typeface="Arial"/>
-              <a:defRPr sz="1400" b="0" i="0" u="none" strike="noStrike" cap="none">
+              <a:buSzPts val="2000"/>
+              <a:buFont typeface="Montserrat Light"/>
+              <a:buChar char="❏"/>
+              <a:defRPr sz="2000" b="0" i="0" u="none" strike="noStrike" cap="none">
                 <a:solidFill>
-                  <a:srgbClr val="000000"/>
+                  <a:schemeClr val="dk1"/>
                 </a:solidFill>
-                <a:latin typeface="Arial"/>
-                <a:ea typeface="Arial"/>
-                <a:cs typeface="Arial"/>
-                <a:sym typeface="Arial"/>
+                <a:latin typeface="Montserrat Light"/>
+                <a:ea typeface="Montserrat Light"/>
+                <a:cs typeface="Montserrat Light"/>
+                <a:sym typeface="Montserrat Light"/>
               </a:defRPr>
             </a:lvl3pPr>
-            <a:lvl4pPr marR="0" lvl="3" algn="l" rtl="0">
+            <a:lvl4pPr marL="1828800" marR="0" lvl="3" indent="-355600" algn="l" rtl="0">
               <a:lnSpc>
-                <a:spcPct val="100000"/>
+                <a:spcPct val="120000"/>
               </a:lnSpc>
               <a:spcBef>
-                <a:spcPts val="0"/>
+                <a:spcPts val="600"/>
               </a:spcBef>
               <a:spcAft>
                 <a:spcPts val="0"/>
               </a:spcAft>
               <a:buClr>
-                <a:srgbClr val="000000"/>
+                <a:schemeClr val="accent6"/>
               </a:buClr>
-              <a:buFont typeface="Arial"/>
-              <a:defRPr sz="1400" b="0" i="0" u="none" strike="noStrike" cap="none">
+              <a:buSzPts val="2000"/>
+              <a:buFont typeface="Montserrat Light"/>
+              <a:buChar char="❏"/>
+              <a:defRPr sz="2000" b="0" i="0" u="none" strike="noStrike" cap="none">
                 <a:solidFill>
-                  <a:srgbClr val="000000"/>
+                  <a:schemeClr val="dk1"/>
                 </a:solidFill>
-                <a:latin typeface="Arial"/>
-                <a:ea typeface="Arial"/>
-                <a:cs typeface="Arial"/>
-                <a:sym typeface="Arial"/>
+                <a:latin typeface="Montserrat Light"/>
+                <a:ea typeface="Montserrat Light"/>
+                <a:cs typeface="Montserrat Light"/>
+                <a:sym typeface="Montserrat Light"/>
               </a:defRPr>
             </a:lvl4pPr>
-            <a:lvl5pPr marR="0" lvl="4" algn="l" rtl="0">
+            <a:lvl5pPr marL="2286000" marR="0" lvl="4" indent="-355600" algn="l" rtl="0">
               <a:lnSpc>
-                <a:spcPct val="100000"/>
+                <a:spcPct val="120000"/>
               </a:lnSpc>
               <a:spcBef>
-                <a:spcPts val="0"/>
+                <a:spcPts val="600"/>
               </a:spcBef>
               <a:spcAft>
                 <a:spcPts val="0"/>
               </a:spcAft>
               <a:buClr>
-                <a:srgbClr val="000000"/>
+                <a:schemeClr val="accent6"/>
               </a:buClr>
-              <a:buFont typeface="Arial"/>
-              <a:defRPr sz="1400" b="0" i="0" u="none" strike="noStrike" cap="none">
+              <a:buSzPts val="2000"/>
+              <a:buFont typeface="Montserrat Light"/>
+              <a:buChar char="❏"/>
+              <a:defRPr sz="2000" b="0" i="0" u="none" strike="noStrike" cap="none">
                 <a:solidFill>
-                  <a:srgbClr val="000000"/>
+                  <a:schemeClr val="dk1"/>
                 </a:solidFill>
-                <a:latin typeface="Arial"/>
-                <a:ea typeface="Arial"/>
-                <a:cs typeface="Arial"/>
-                <a:sym typeface="Arial"/>
+                <a:latin typeface="Montserrat Light"/>
+                <a:ea typeface="Montserrat Light"/>
+                <a:cs typeface="Montserrat Light"/>
+                <a:sym typeface="Montserrat Light"/>
               </a:defRPr>
             </a:lvl5pPr>
-            <a:lvl6pPr marR="0" lvl="5" algn="l" rtl="0">
+            <a:lvl6pPr marL="2743200" marR="0" lvl="5" indent="-355600" algn="l" rtl="0">
               <a:lnSpc>
-                <a:spcPct val="100000"/>
+                <a:spcPct val="120000"/>
               </a:lnSpc>
               <a:spcBef>
-                <a:spcPts val="0"/>
+                <a:spcPts val="600"/>
               </a:spcBef>
               <a:spcAft>
                 <a:spcPts val="0"/>
               </a:spcAft>
               <a:buClr>
-                <a:srgbClr val="000000"/>
+                <a:schemeClr val="accent6"/>
               </a:buClr>
-              <a:buFont typeface="Arial"/>
-              <a:defRPr sz="1400" b="0" i="0" u="none" strike="noStrike" cap="none">
+              <a:buSzPts val="2000"/>
+              <a:buFont typeface="Montserrat Light"/>
+              <a:buChar char="❏"/>
+              <a:defRPr sz="2000" b="0" i="0" u="none" strike="noStrike" cap="none">
                 <a:solidFill>
-                  <a:srgbClr val="000000"/>
+                  <a:schemeClr val="dk1"/>
                 </a:solidFill>
-                <a:latin typeface="Arial"/>
-                <a:ea typeface="Arial"/>
-                <a:cs typeface="Arial"/>
-                <a:sym typeface="Arial"/>
+                <a:latin typeface="Montserrat Light"/>
+                <a:ea typeface="Montserrat Light"/>
+                <a:cs typeface="Montserrat Light"/>
+                <a:sym typeface="Montserrat Light"/>
               </a:defRPr>
             </a:lvl6pPr>
-            <a:lvl7pPr marR="0" lvl="6" algn="l" rtl="0">
+            <a:lvl7pPr marL="3200400" marR="0" lvl="6" indent="-355600" algn="l" rtl="0">
               <a:lnSpc>
-                <a:spcPct val="100000"/>
+                <a:spcPct val="120000"/>
               </a:lnSpc>
               <a:spcBef>
-                <a:spcPts val="0"/>
+                <a:spcPts val="600"/>
               </a:spcBef>
               <a:spcAft>
                 <a:spcPts val="0"/>
               </a:spcAft>
               <a:buClr>
-                <a:srgbClr val="000000"/>
+                <a:schemeClr val="accent6"/>
               </a:buClr>
-              <a:buFont typeface="Arial"/>
-              <a:defRPr sz="1400" b="0" i="0" u="none" strike="noStrike" cap="none">
+              <a:buSzPts val="2000"/>
+              <a:buFont typeface="Montserrat Light"/>
+              <a:buChar char="❏"/>
+              <a:defRPr sz="2000" b="0" i="0" u="none" strike="noStrike" cap="none">
                 <a:solidFill>
-                  <a:srgbClr val="000000"/>
+                  <a:schemeClr val="dk1"/>
                 </a:solidFill>
-                <a:latin typeface="Arial"/>
-                <a:ea typeface="Arial"/>
-                <a:cs typeface="Arial"/>
-                <a:sym typeface="Arial"/>
+                <a:latin typeface="Montserrat Light"/>
+                <a:ea typeface="Montserrat Light"/>
+                <a:cs typeface="Montserrat Light"/>
+                <a:sym typeface="Montserrat Light"/>
               </a:defRPr>
             </a:lvl7pPr>
-            <a:lvl8pPr marR="0" lvl="7" algn="l" rtl="0">
+            <a:lvl8pPr marL="3657600" marR="0" lvl="7" indent="-355600" algn="l" rtl="0">
               <a:lnSpc>
-                <a:spcPct val="100000"/>
+                <a:spcPct val="120000"/>
               </a:lnSpc>
               <a:spcBef>
-                <a:spcPts val="0"/>
+                <a:spcPts val="600"/>
               </a:spcBef>
               <a:spcAft>
                 <a:spcPts val="0"/>
               </a:spcAft>
               <a:buClr>
-                <a:srgbClr val="000000"/>
+                <a:schemeClr val="accent6"/>
               </a:buClr>
-              <a:buFont typeface="Arial"/>
-              <a:defRPr sz="1400" b="0" i="0" u="none" strike="noStrike" cap="none">
+              <a:buSzPts val="2000"/>
+              <a:buFont typeface="Montserrat Light"/>
+              <a:buChar char="❏"/>
+              <a:defRPr sz="2000" b="0" i="0" u="none" strike="noStrike" cap="none">
                 <a:solidFill>
-                  <a:srgbClr val="000000"/>
+                  <a:schemeClr val="dk1"/>
                 </a:solidFill>
-                <a:latin typeface="Arial"/>
-                <a:ea typeface="Arial"/>
-                <a:cs typeface="Arial"/>
-                <a:sym typeface="Arial"/>
+                <a:latin typeface="Montserrat Light"/>
+                <a:ea typeface="Montserrat Light"/>
+                <a:cs typeface="Montserrat Light"/>
+                <a:sym typeface="Montserrat Light"/>
               </a:defRPr>
             </a:lvl8pPr>
-            <a:lvl9pPr marR="0" lvl="8" algn="l" rtl="0">
+            <a:lvl9pPr marL="4114800" marR="0" lvl="8" indent="-355600" algn="l" rtl="0">
               <a:lnSpc>
-                <a:spcPct val="100000"/>
+                <a:spcPct val="120000"/>
               </a:lnSpc>
               <a:spcBef>
-                <a:spcPts val="0"/>
+                <a:spcPts val="600"/>
               </a:spcBef>
               <a:spcAft>
                 <a:spcPts val="0"/>
               </a:spcAft>
               <a:buClr>
-                <a:srgbClr val="000000"/>
+                <a:schemeClr val="accent6"/>
               </a:buClr>
-              <a:buFont typeface="Arial"/>
-              <a:defRPr sz="1400" b="0" i="0" u="none" strike="noStrike" cap="none">
+              <a:buSzPts val="2000"/>
+              <a:buFont typeface="Montserrat Light"/>
+              <a:buChar char="❏"/>
+              <a:defRPr sz="2000" b="0" i="0" u="none" strike="noStrike" cap="none">
                 <a:solidFill>
-                  <a:srgbClr val="000000"/>
+                  <a:schemeClr val="dk1"/>
                 </a:solidFill>
-                <a:latin typeface="Arial"/>
-                <a:ea typeface="Arial"/>
-                <a:cs typeface="Arial"/>
-                <a:sym typeface="Arial"/>
+                <a:latin typeface="Montserrat Light"/>
+                <a:ea typeface="Montserrat Light"/>
+                <a:cs typeface="Montserrat Light"/>
+                <a:sym typeface="Montserrat Light"/>
               </a:defRPr>
             </a:lvl9pPr>
           </a:lstStyle>
           <a:p>
-            <a:pPr marL="457200" indent="-355600">
-              <a:buSzPts val="2000"/>
-              <a:buFont typeface="Arial"/>
-              <a:buChar char="❑"/>
+            <a:pPr marL="0" indent="0">
+              <a:spcBef>
+                <a:spcPts val="450"/>
+              </a:spcBef>
+              <a:buFont typeface="Montserrat Light"/>
+              <a:buNone/>
             </a:pPr>
             <a:r>
-              <a:rPr lang="en-US" dirty="0"/>
-              <a:t>Here you have a list of items</a:t>
-            </a:r>
-          </a:p>
-          <a:p>
-            <a:pPr marL="457200" indent="-355600">
-              <a:spcBef>
-                <a:spcPts val="1000"/>
-              </a:spcBef>
-              <a:buSzPts val="2000"/>
-              <a:buFont typeface="Arial"/>
-              <a:buChar char="❑"/>
-            </a:pPr>
-            <a:r>
-              <a:rPr lang="en-US" dirty="0"/>
-              <a:t>And some text</a:t>
-            </a:r>
-          </a:p>
-          <a:p>
-            <a:pPr marL="457200" indent="-355600">
-              <a:spcBef>
-                <a:spcPts val="1000"/>
-              </a:spcBef>
-              <a:buSzPts val="2000"/>
-              <a:buFont typeface="Arial"/>
-              <a:buChar char="❑"/>
-            </a:pPr>
-            <a:r>
-              <a:rPr lang="en-US" dirty="0"/>
-              <a:t>But remember not to overload your slides with content</a:t>
+              <a:rPr lang="en-US" sz="1800" b="1" dirty="0">
+                <a:latin typeface="Montserrat"/>
+                <a:ea typeface="Montserrat"/>
+                <a:cs typeface="Montserrat"/>
+                <a:sym typeface="Montserrat"/>
+              </a:rPr>
+              <a:t>Template Credits: Slides Carnival</a:t>
             </a:r>
           </a:p>
         </p:txBody>
       </p:sp>
-      <p:sp>
-        <p:nvSpPr>
-          <p:cNvPr id="6" name="Google Shape;373;p19">
-            <a:extLst>
-              <a:ext uri="{FF2B5EF4-FFF2-40B4-BE49-F238E27FC236}">
-                <a16:creationId xmlns:a16="http://schemas.microsoft.com/office/drawing/2014/main" id="{B7BBBF35-9BA5-4E61-9870-FE9F0E35D65D}"/>
-              </a:ext>
-            </a:extLst>
-          </p:cNvPr>
-          <p:cNvSpPr txBox="1">
-            <a:spLocks/>
-          </p:cNvSpPr>
-          <p:nvPr/>
-        </p:nvSpPr>
-        <p:spPr>
-          <a:xfrm>
-            <a:off x="776450" y="402700"/>
-            <a:ext cx="3587400" cy="856800"/>
-          </a:xfrm>
-          <a:prstGeom prst="rect">
-            <a:avLst/>
-          </a:prstGeom>
-        </p:spPr>
-        <p:txBody>
-          <a:bodyPr spcFirstLastPara="1" wrap="square" lIns="0" tIns="0" rIns="0" bIns="0" anchor="b" anchorCtr="0">
-            <a:noAutofit/>
-          </a:bodyPr>
-          <a:lstStyle>
-            <a:defPPr marR="0" lvl="0" algn="l" rtl="0">
-              <a:lnSpc>
-                <a:spcPct val="100000"/>
-              </a:lnSpc>
-              <a:spcBef>
-                <a:spcPts val="0"/>
-              </a:spcBef>
-              <a:spcAft>
-                <a:spcPts val="0"/>
-              </a:spcAft>
-            </a:defPPr>
-            <a:lvl1pPr marR="0" lvl="0" algn="l" rtl="0">
-              <a:lnSpc>
-                <a:spcPct val="100000"/>
-              </a:lnSpc>
-              <a:spcBef>
-                <a:spcPts val="0"/>
-              </a:spcBef>
-              <a:spcAft>
-                <a:spcPts val="0"/>
-              </a:spcAft>
-              <a:buClr>
-                <a:srgbClr val="000000"/>
-              </a:buClr>
-              <a:buFont typeface="Arial"/>
-              <a:defRPr sz="1400" b="0" i="0" u="none" strike="noStrike" cap="none">
-                <a:solidFill>
-                  <a:srgbClr val="000000"/>
-                </a:solidFill>
-                <a:latin typeface="Arial"/>
-                <a:ea typeface="Arial"/>
-                <a:cs typeface="Arial"/>
-                <a:sym typeface="Arial"/>
-              </a:defRPr>
-            </a:lvl1pPr>
-            <a:lvl2pPr marR="0" lvl="1" algn="l" rtl="0">
-              <a:lnSpc>
-                <a:spcPct val="100000"/>
-              </a:lnSpc>
-              <a:spcBef>
-                <a:spcPts val="0"/>
-              </a:spcBef>
-              <a:spcAft>
-                <a:spcPts val="0"/>
-              </a:spcAft>
-              <a:buClr>
-                <a:srgbClr val="000000"/>
-              </a:buClr>
-              <a:buFont typeface="Arial"/>
-              <a:defRPr sz="1400" b="0" i="0" u="none" strike="noStrike" cap="none">
-                <a:solidFill>
-                  <a:srgbClr val="000000"/>
-                </a:solidFill>
-                <a:latin typeface="Arial"/>
-                <a:ea typeface="Arial"/>
-                <a:cs typeface="Arial"/>
-                <a:sym typeface="Arial"/>
-              </a:defRPr>
-            </a:lvl2pPr>
-            <a:lvl3pPr marR="0" lvl="2" algn="l" rtl="0">
-              <a:lnSpc>
-                <a:spcPct val="100000"/>
-              </a:lnSpc>
-              <a:spcBef>
-                <a:spcPts val="0"/>
-              </a:spcBef>
-              <a:spcAft>
-                <a:spcPts val="0"/>
-              </a:spcAft>
-              <a:buClr>
-                <a:srgbClr val="000000"/>
-              </a:buClr>
-              <a:buFont typeface="Arial"/>
-              <a:defRPr sz="1400" b="0" i="0" u="none" strike="noStrike" cap="none">
-                <a:solidFill>
-                  <a:srgbClr val="000000"/>
-                </a:solidFill>
-                <a:latin typeface="Arial"/>
-                <a:ea typeface="Arial"/>
-                <a:cs typeface="Arial"/>
-                <a:sym typeface="Arial"/>
-              </a:defRPr>
-            </a:lvl3pPr>
-            <a:lvl4pPr marR="0" lvl="3" algn="l" rtl="0">
-              <a:lnSpc>
-                <a:spcPct val="100000"/>
-              </a:lnSpc>
-              <a:spcBef>
-                <a:spcPts val="0"/>
-              </a:spcBef>
-              <a:spcAft>
-                <a:spcPts val="0"/>
-              </a:spcAft>
-              <a:buClr>
-                <a:srgbClr val="000000"/>
-              </a:buClr>
-              <a:buFont typeface="Arial"/>
-              <a:defRPr sz="1400" b="0" i="0" u="none" strike="noStrike" cap="none">
-                <a:solidFill>
-                  <a:srgbClr val="000000"/>
-                </a:solidFill>
-                <a:latin typeface="Arial"/>
-                <a:ea typeface="Arial"/>
-                <a:cs typeface="Arial"/>
-                <a:sym typeface="Arial"/>
-              </a:defRPr>
-            </a:lvl4pPr>
-            <a:lvl5pPr marR="0" lvl="4" algn="l" rtl="0">
-              <a:lnSpc>
-                <a:spcPct val="100000"/>
-              </a:lnSpc>
-              <a:spcBef>
-                <a:spcPts val="0"/>
-              </a:spcBef>
-              <a:spcAft>
-                <a:spcPts val="0"/>
-              </a:spcAft>
-              <a:buClr>
-                <a:srgbClr val="000000"/>
-              </a:buClr>
-              <a:buFont typeface="Arial"/>
-              <a:defRPr sz="1400" b="0" i="0" u="none" strike="noStrike" cap="none">
-                <a:solidFill>
-                  <a:srgbClr val="000000"/>
-                </a:solidFill>
-                <a:latin typeface="Arial"/>
-                <a:ea typeface="Arial"/>
-                <a:cs typeface="Arial"/>
-                <a:sym typeface="Arial"/>
-              </a:defRPr>
-            </a:lvl5pPr>
-            <a:lvl6pPr marR="0" lvl="5" algn="l" rtl="0">
-              <a:lnSpc>
-                <a:spcPct val="100000"/>
-              </a:lnSpc>
-              <a:spcBef>
-                <a:spcPts val="0"/>
-              </a:spcBef>
-              <a:spcAft>
-                <a:spcPts val="0"/>
-              </a:spcAft>
-              <a:buClr>
-                <a:srgbClr val="000000"/>
-              </a:buClr>
-              <a:buFont typeface="Arial"/>
-              <a:defRPr sz="1400" b="0" i="0" u="none" strike="noStrike" cap="none">
-                <a:solidFill>
-                  <a:srgbClr val="000000"/>
-                </a:solidFill>
-                <a:latin typeface="Arial"/>
-                <a:ea typeface="Arial"/>
-                <a:cs typeface="Arial"/>
-                <a:sym typeface="Arial"/>
-              </a:defRPr>
-            </a:lvl6pPr>
-            <a:lvl7pPr marR="0" lvl="6" algn="l" rtl="0">
-              <a:lnSpc>
-                <a:spcPct val="100000"/>
-              </a:lnSpc>
-              <a:spcBef>
-                <a:spcPts val="0"/>
-              </a:spcBef>
-              <a:spcAft>
-                <a:spcPts val="0"/>
-              </a:spcAft>
-              <a:buClr>
-                <a:srgbClr val="000000"/>
-              </a:buClr>
-              <a:buFont typeface="Arial"/>
-              <a:defRPr sz="1400" b="0" i="0" u="none" strike="noStrike" cap="none">
-                <a:solidFill>
-                  <a:srgbClr val="000000"/>
-                </a:solidFill>
-                <a:latin typeface="Arial"/>
-                <a:ea typeface="Arial"/>
-                <a:cs typeface="Arial"/>
-                <a:sym typeface="Arial"/>
-              </a:defRPr>
-            </a:lvl7pPr>
-            <a:lvl8pPr marR="0" lvl="7" algn="l" rtl="0">
-              <a:lnSpc>
-                <a:spcPct val="100000"/>
-              </a:lnSpc>
-              <a:spcBef>
-                <a:spcPts val="0"/>
-              </a:spcBef>
-              <a:spcAft>
-                <a:spcPts val="0"/>
-              </a:spcAft>
-              <a:buClr>
-                <a:srgbClr val="000000"/>
-              </a:buClr>
-              <a:buFont typeface="Arial"/>
-              <a:defRPr sz="1400" b="0" i="0" u="none" strike="noStrike" cap="none">
-                <a:solidFill>
-                  <a:srgbClr val="000000"/>
-                </a:solidFill>
-                <a:latin typeface="Arial"/>
-                <a:ea typeface="Arial"/>
-                <a:cs typeface="Arial"/>
-                <a:sym typeface="Arial"/>
-              </a:defRPr>
-            </a:lvl8pPr>
-            <a:lvl9pPr marR="0" lvl="8" algn="l" rtl="0">
-              <a:lnSpc>
-                <a:spcPct val="100000"/>
-              </a:lnSpc>
-              <a:spcBef>
-                <a:spcPts val="0"/>
-              </a:spcBef>
-              <a:spcAft>
-                <a:spcPts val="0"/>
-              </a:spcAft>
-              <a:buClr>
-                <a:srgbClr val="000000"/>
-              </a:buClr>
-              <a:buFont typeface="Arial"/>
-              <a:defRPr sz="1400" b="0" i="0" u="none" strike="noStrike" cap="none">
-                <a:solidFill>
-                  <a:srgbClr val="000000"/>
-                </a:solidFill>
-                <a:latin typeface="Arial"/>
-                <a:ea typeface="Arial"/>
-                <a:cs typeface="Arial"/>
-                <a:sym typeface="Arial"/>
-              </a:defRPr>
-            </a:lvl9pPr>
-          </a:lstStyle>
-          <a:p>
-            <a:r>
-              <a:rPr lang="en-US" sz="2400" b="1" dirty="0"/>
-              <a:t>References</a:t>
-            </a:r>
-            <a:endParaRPr lang="en-US" b="1" dirty="0"/>
-          </a:p>
-        </p:txBody>
-      </p:sp>
     </p:spTree>
-    <p:extLst>
-      <p:ext uri="{BB962C8B-B14F-4D97-AF65-F5344CB8AC3E}">
-        <p14:creationId xmlns:p14="http://schemas.microsoft.com/office/powerpoint/2010/main" val="1231014416"/>
-      </p:ext>
-    </p:extLst>
   </p:cSld>
   <p:clrMapOvr>
     <a:masterClrMapping/>
